--- a/2019-01-ecp-3am/poster/ompix-v01.pptx
+++ b/2019-01-ecp-3am/poster/ompix-v01.pptx
@@ -1139,14 +1139,14 @@
           <p:nvPr>
             <p:extLst>
               <p:ext uri="{D42A27DB-BD31-4B8C-83A1-F6EECF244321}">
-                <p14:modId xmlns:p14="http://schemas.microsoft.com/office/powerpoint/2010/main" val="4284733503"/>
+                <p14:modId xmlns:p14="http://schemas.microsoft.com/office/powerpoint/2010/main" val="1216901938"/>
               </p:ext>
             </p:extLst>
           </p:nvPr>
         </p:nvGraphicFramePr>
         <p:xfrm>
-          <a:off x="6841200" y="11683985"/>
-          <a:ext cx="17407199" cy="6202680"/>
+          <a:off x="6582898" y="11491321"/>
+          <a:ext cx="17923801" cy="6202680"/>
         </p:xfrm>
         <a:graphic>
           <a:graphicData uri="http://schemas.openxmlformats.org/drawingml/2006/table">
@@ -1155,21 +1155,21 @@
                 <a:tableStyleId>{F5AB1C69-6EDB-4FF4-983F-18BD219EF322}</a:tableStyleId>
               </a:tblPr>
               <a:tblGrid>
-                <a:gridCol w="5612511">
+                <a:gridCol w="5779076">
                   <a:extLst>
                     <a:ext uri="{9D8B030D-6E8A-4147-A177-3AD203B41FA5}">
                       <a16:colId xmlns:a16="http://schemas.microsoft.com/office/drawing/2014/main" val="2982164532"/>
                     </a:ext>
                   </a:extLst>
                 </a:gridCol>
-                <a:gridCol w="8027289">
+                <a:gridCol w="8265519">
                   <a:extLst>
                     <a:ext uri="{9D8B030D-6E8A-4147-A177-3AD203B41FA5}">
                       <a16:colId xmlns:a16="http://schemas.microsoft.com/office/drawing/2014/main" val="2057548479"/>
                     </a:ext>
                   </a:extLst>
                 </a:gridCol>
-                <a:gridCol w="3767399">
+                <a:gridCol w="3879206">
                   <a:extLst>
                     <a:ext uri="{9D8B030D-6E8A-4147-A177-3AD203B41FA5}">
                       <a16:colId xmlns:a16="http://schemas.microsoft.com/office/drawing/2014/main" val="1883992577"/>
@@ -1463,7 +1463,7 @@
                           <a:latin typeface="Arial" panose="020B0604020202020204" pitchFamily="34" charset="0"/>
                           <a:cs typeface="Arial" panose="020B0604020202020204" pitchFamily="34" charset="0"/>
                         </a:rPr>
-                        <a:t>Manju Gorentla (ORNL)</a:t>
+                        <a:t>Thomas Naughton (ORNL)</a:t>
                       </a:r>
                     </a:p>
                   </a:txBody>
@@ -1870,16 +1870,12 @@
                     <a:lstStyle/>
                     <a:p>
                       <a:r>
-                        <a:rPr lang="en-US" sz="2400" u="none">
+                        <a:rPr lang="en-US" sz="2400" u="none" dirty="0">
                           <a:latin typeface="Arial" panose="020B0604020202020204" pitchFamily="34" charset="0"/>
                           <a:cs typeface="Arial" panose="020B0604020202020204" pitchFamily="34" charset="0"/>
                         </a:rPr>
                         <a:t>Stephen Olivier (SNL)</a:t>
                       </a:r>
-                      <a:endParaRPr lang="en-US" sz="2400" u="none" dirty="0">
-                        <a:latin typeface="Arial" panose="020B0604020202020204" pitchFamily="34" charset="0"/>
-                        <a:cs typeface="Arial" panose="020B0604020202020204" pitchFamily="34" charset="0"/>
-                      </a:endParaRPr>
                     </a:p>
                   </a:txBody>
                   <a:tcPr marL="114300" marR="114300" marT="57150" marB="57150"/>
@@ -1903,7 +1899,7 @@
           <p:nvPr>
             <p:extLst>
               <p:ext uri="{D42A27DB-BD31-4B8C-83A1-F6EECF244321}">
-                <p14:modId xmlns:p14="http://schemas.microsoft.com/office/powerpoint/2010/main" val="1206623677"/>
+                <p14:modId xmlns:p14="http://schemas.microsoft.com/office/powerpoint/2010/main" val="2474122913"/>
               </p:ext>
             </p:extLst>
           </p:nvPr>
@@ -2357,11 +2353,18 @@
                         <a:defRPr/>
                       </a:pPr>
                       <a:r>
+                        <a:rPr lang="en-US" sz="3600" dirty="0" err="1">
+                          <a:latin typeface="Arial" panose="020B0604020202020204" pitchFamily="34" charset="0"/>
+                          <a:cs typeface="Arial" panose="020B0604020202020204" pitchFamily="34" charset="0"/>
+                        </a:rPr>
+                        <a:t>Aurelien</a:t>
+                      </a:r>
+                      <a:r>
                         <a:rPr lang="en-US" sz="3600" dirty="0">
                           <a:latin typeface="Arial" panose="020B0604020202020204" pitchFamily="34" charset="0"/>
                           <a:cs typeface="Arial" panose="020B0604020202020204" pitchFamily="34" charset="0"/>
                         </a:rPr>
-                        <a:t>Aurelian </a:t>
+                        <a:t> </a:t>
                       </a:r>
                       <a:r>
                         <a:rPr lang="en-US" sz="3600" dirty="0" err="1">
@@ -2809,7 +2812,7 @@
         </p:nvSpPr>
         <p:spPr>
           <a:xfrm>
-            <a:off x="3858937" y="19200598"/>
+            <a:off x="3858937" y="18948964"/>
             <a:ext cx="10588191" cy="1102715"/>
           </a:xfrm>
         </p:spPr>
@@ -2842,7 +2845,7 @@
         </p:nvSpPr>
         <p:spPr>
           <a:xfrm>
-            <a:off x="2215818" y="20044299"/>
+            <a:off x="2215818" y="19792665"/>
             <a:ext cx="7891519" cy="5744073"/>
           </a:xfrm>
           <a:prstGeom prst="rect">
@@ -3221,7 +3224,7 @@
         </p:nvSpPr>
         <p:spPr>
           <a:xfrm>
-            <a:off x="5285401" y="25735851"/>
+            <a:off x="5285401" y="25484217"/>
             <a:ext cx="7891519" cy="424732"/>
           </a:xfrm>
           <a:prstGeom prst="rect">
@@ -3312,7 +3315,7 @@
         </p:nvSpPr>
         <p:spPr>
           <a:xfrm>
-            <a:off x="18247160" y="19149234"/>
+            <a:off x="18247160" y="18897600"/>
             <a:ext cx="9955303" cy="1656712"/>
           </a:xfrm>
           <a:prstGeom prst="rect">
@@ -3381,7 +3384,7 @@
         </p:nvSpPr>
         <p:spPr>
           <a:xfrm>
-            <a:off x="17127838" y="20281037"/>
+            <a:off x="17127838" y="20029403"/>
             <a:ext cx="6407630" cy="5334642"/>
           </a:xfrm>
         </p:spPr>
@@ -3490,7 +3493,7 @@
         </p:nvGrpSpPr>
         <p:grpSpPr>
           <a:xfrm>
-            <a:off x="22834918" y="20518597"/>
+            <a:off x="22834918" y="20266963"/>
             <a:ext cx="6121082" cy="5233866"/>
             <a:chOff x="17118880" y="20817019"/>
             <a:chExt cx="6121082" cy="5233866"/>
@@ -3597,7 +3600,7 @@
         </p:nvSpPr>
         <p:spPr>
           <a:xfrm>
-            <a:off x="20489036" y="25831800"/>
+            <a:off x="20489036" y="25580166"/>
             <a:ext cx="4839786" cy="424732"/>
           </a:xfrm>
           <a:prstGeom prst="rect">
@@ -3643,1523 +3646,1098 @@
           </a:p>
         </p:txBody>
       </p:sp>
-      <p:sp>
-        <p:nvSpPr>
-          <p:cNvPr id="51" name="Title 1">
+      <p:grpSp>
+        <p:nvGrpSpPr>
+          <p:cNvPr id="17" name="Group 16">
             <a:extLst>
               <a:ext uri="{FF2B5EF4-FFF2-40B4-BE49-F238E27FC236}">
-                <a16:creationId xmlns:a16="http://schemas.microsoft.com/office/drawing/2014/main" id="{96673C53-27DC-417B-A504-04B1FDEA810E}"/>
+                <a16:creationId xmlns:a16="http://schemas.microsoft.com/office/drawing/2014/main" id="{9D4D8E6F-E561-7143-BC8D-5717335616BB}"/>
               </a:ext>
             </a:extLst>
           </p:cNvPr>
-          <p:cNvSpPr txBox="1">
-            <a:spLocks/>
-          </p:cNvSpPr>
+          <p:cNvGrpSpPr/>
           <p:nvPr/>
-        </p:nvSpPr>
-        <p:spPr>
+        </p:nvGrpSpPr>
+        <p:grpSpPr>
           <a:xfrm>
-            <a:off x="331994" y="35250981"/>
-            <a:ext cx="11375136" cy="1102715"/>
+            <a:off x="17651136" y="26160545"/>
+            <a:ext cx="11147349" cy="7608315"/>
+            <a:chOff x="17963882" y="26160545"/>
+            <a:chExt cx="11147349" cy="7608315"/>
           </a:xfrm>
-          <a:prstGeom prst="rect">
-            <a:avLst/>
-          </a:prstGeom>
-        </p:spPr>
-        <p:txBody>
-          <a:bodyPr vert="horz" lIns="543410" tIns="271705" rIns="543410" bIns="271705" rtlCol="0" anchor="t" anchorCtr="0">
-            <a:spAutoFit/>
-          </a:bodyPr>
-          <a:lstStyle>
-            <a:lvl1pPr algn="ctr" defTabSz="5821955" rtl="0" eaLnBrk="1" latinLnBrk="0" hangingPunct="1">
-              <a:lnSpc>
-                <a:spcPct val="100000"/>
-              </a:lnSpc>
-              <a:spcBef>
-                <a:spcPct val="0"/>
-              </a:spcBef>
-              <a:buNone/>
-              <a:defRPr sz="3214" kern="1200">
-                <a:solidFill>
-                  <a:schemeClr val="tx1"/>
-                </a:solidFill>
-                <a:latin typeface="Arial Black" pitchFamily="34" charset="0"/>
-                <a:ea typeface="+mj-ea"/>
-                <a:cs typeface="+mj-cs"/>
-              </a:defRPr>
-            </a:lvl1pPr>
-          </a:lstStyle>
-          <a:p>
-            <a:pPr fontAlgn="auto">
-              <a:spcAft>
-                <a:spcPts val="0"/>
-              </a:spcAft>
-            </a:pPr>
-            <a:r>
-              <a:rPr lang="en-US" sz="3600" dirty="0"/>
-              <a:t>Open </a:t>
-            </a:r>
-            <a:r>
-              <a:rPr lang="en-US" sz="3600" dirty="0" err="1"/>
-              <a:t>MPI+PMIx+SCON</a:t>
-            </a:r>
-            <a:r>
-              <a:rPr lang="en-US" sz="3600" dirty="0"/>
-              <a:t> for Scalability</a:t>
-            </a:r>
-          </a:p>
-        </p:txBody>
-      </p:sp>
-      <p:sp>
-        <p:nvSpPr>
-          <p:cNvPr id="55" name="Content Placeholder 5">
+        </p:grpSpPr>
+        <p:sp>
+          <p:nvSpPr>
+            <p:cNvPr id="57" name="Title 1">
+              <a:extLst>
+                <a:ext uri="{FF2B5EF4-FFF2-40B4-BE49-F238E27FC236}">
+                  <a16:creationId xmlns:a16="http://schemas.microsoft.com/office/drawing/2014/main" id="{C07305BC-BAE3-4E8F-AA7B-6A9665A04A23}"/>
+                </a:ext>
+              </a:extLst>
+            </p:cNvPr>
+            <p:cNvSpPr txBox="1">
+              <a:spLocks/>
+            </p:cNvSpPr>
+            <p:nvPr/>
+          </p:nvSpPr>
+          <p:spPr>
+            <a:xfrm>
+              <a:off x="18634503" y="26160545"/>
+              <a:ext cx="10218478" cy="2210710"/>
+            </a:xfrm>
+            <a:prstGeom prst="rect">
+              <a:avLst/>
+            </a:prstGeom>
+          </p:spPr>
+          <p:txBody>
+            <a:bodyPr vert="horz" wrap="square" lIns="543410" tIns="271705" rIns="543410" bIns="271705" rtlCol="0" anchor="t" anchorCtr="0">
+              <a:spAutoFit/>
+            </a:bodyPr>
+            <a:lstStyle>
+              <a:lvl1pPr algn="ctr" defTabSz="5821955" rtl="0" eaLnBrk="1" latinLnBrk="0" hangingPunct="1">
+                <a:lnSpc>
+                  <a:spcPct val="100000"/>
+                </a:lnSpc>
+                <a:spcBef>
+                  <a:spcPct val="0"/>
+                </a:spcBef>
+                <a:buNone/>
+                <a:defRPr sz="3214" kern="1200">
+                  <a:solidFill>
+                    <a:schemeClr val="tx1"/>
+                  </a:solidFill>
+                  <a:latin typeface="Arial Black" pitchFamily="34" charset="0"/>
+                  <a:ea typeface="+mj-ea"/>
+                  <a:cs typeface="+mj-cs"/>
+                </a:defRPr>
+              </a:lvl1pPr>
+            </a:lstStyle>
+            <a:p>
+              <a:pPr fontAlgn="auto">
+                <a:spcAft>
+                  <a:spcPts val="0"/>
+                </a:spcAft>
+              </a:pPr>
+              <a:r>
+                <a:rPr lang="en-US" sz="3600" dirty="0"/>
+                <a:t>MPI Performance and Scalability Improvements</a:t>
+              </a:r>
+              <a:br>
+                <a:rPr lang="en-US" sz="3600" dirty="0"/>
+              </a:br>
+              <a:endParaRPr lang="en-US" sz="3600" dirty="0"/>
+            </a:p>
+          </p:txBody>
+        </p:sp>
+        <p:sp>
+          <p:nvSpPr>
+            <p:cNvPr id="58" name="Content Placeholder 2">
+              <a:extLst>
+                <a:ext uri="{FF2B5EF4-FFF2-40B4-BE49-F238E27FC236}">
+                  <a16:creationId xmlns:a16="http://schemas.microsoft.com/office/drawing/2014/main" id="{B0EEBFAC-FE18-4F6E-A861-67118FF146D7}"/>
+                </a:ext>
+              </a:extLst>
+            </p:cNvPr>
+            <p:cNvSpPr txBox="1">
+              <a:spLocks/>
+            </p:cNvSpPr>
+            <p:nvPr/>
+          </p:nvSpPr>
+          <p:spPr>
+            <a:xfrm>
+              <a:off x="17963882" y="28611317"/>
+              <a:ext cx="6407630" cy="5157543"/>
+            </a:xfrm>
+            <a:prstGeom prst="rect">
+              <a:avLst/>
+            </a:prstGeom>
+          </p:spPr>
+          <p:txBody>
+            <a:bodyPr vert="horz" wrap="square" lIns="543410" tIns="271705" rIns="543410" bIns="271705" rtlCol="0">
+              <a:spAutoFit/>
+            </a:bodyPr>
+            <a:lstStyle>
+              <a:lvl1pPr marL="190490" indent="-190490" algn="l" defTabSz="5821955" rtl="0" eaLnBrk="1" latinLnBrk="0" hangingPunct="1">
+                <a:lnSpc>
+                  <a:spcPct val="100000"/>
+                </a:lnSpc>
+                <a:spcBef>
+                  <a:spcPts val="214"/>
+                </a:spcBef>
+                <a:buClrTx/>
+                <a:buFont typeface="Arial" pitchFamily="34" charset="0"/>
+                <a:buChar char="•"/>
+                <a:defRPr sz="2571" b="0" kern="1200">
+                  <a:solidFill>
+                    <a:schemeClr val="tx1"/>
+                  </a:solidFill>
+                  <a:latin typeface="Arial" pitchFamily="34" charset="0"/>
+                  <a:ea typeface="+mn-ea"/>
+                  <a:cs typeface="Arial" pitchFamily="34" charset="0"/>
+                </a:defRPr>
+              </a:lvl1pPr>
+              <a:lvl2pPr marL="365674" indent="-175184" algn="l" defTabSz="5821955" rtl="0" eaLnBrk="1" latinLnBrk="0" hangingPunct="1">
+                <a:lnSpc>
+                  <a:spcPct val="100000"/>
+                </a:lnSpc>
+                <a:spcBef>
+                  <a:spcPts val="214"/>
+                </a:spcBef>
+                <a:buClrTx/>
+                <a:buFont typeface="Arial" pitchFamily="34" charset="0"/>
+                <a:buChar char="–"/>
+                <a:defRPr sz="2143" b="0" kern="1200">
+                  <a:solidFill>
+                    <a:schemeClr val="tx1"/>
+                  </a:solidFill>
+                  <a:latin typeface="Arial" pitchFamily="34" charset="0"/>
+                  <a:ea typeface="+mn-ea"/>
+                  <a:cs typeface="Arial" pitchFamily="34" charset="0"/>
+                </a:defRPr>
+              </a:lvl2pPr>
+              <a:lvl3pPr marL="556165" indent="-190490" algn="l" defTabSz="5821955" rtl="0" eaLnBrk="1" latinLnBrk="0" hangingPunct="1">
+                <a:lnSpc>
+                  <a:spcPct val="100000"/>
+                </a:lnSpc>
+                <a:spcBef>
+                  <a:spcPts val="214"/>
+                </a:spcBef>
+                <a:buClrTx/>
+                <a:buFont typeface="Arial" pitchFamily="34" charset="0"/>
+                <a:buChar char="•"/>
+                <a:defRPr sz="1929" b="0" kern="1200">
+                  <a:solidFill>
+                    <a:schemeClr val="tx1"/>
+                  </a:solidFill>
+                  <a:latin typeface="Arial" pitchFamily="34" charset="0"/>
+                  <a:ea typeface="+mn-ea"/>
+                  <a:cs typeface="Arial" pitchFamily="34" charset="0"/>
+                </a:defRPr>
+              </a:lvl3pPr>
+              <a:lvl4pPr marL="671820" indent="-175184" algn="l" defTabSz="5821955" rtl="0" eaLnBrk="1" latinLnBrk="0" hangingPunct="1">
+                <a:lnSpc>
+                  <a:spcPct val="100000"/>
+                </a:lnSpc>
+                <a:spcBef>
+                  <a:spcPts val="214"/>
+                </a:spcBef>
+                <a:buClrTx/>
+                <a:buFont typeface="Arial" pitchFamily="34" charset="0"/>
+                <a:buChar char="–"/>
+                <a:defRPr sz="1929" b="0" kern="1200">
+                  <a:solidFill>
+                    <a:schemeClr val="tx1"/>
+                  </a:solidFill>
+                  <a:latin typeface="Arial" pitchFamily="34" charset="0"/>
+                  <a:ea typeface="+mn-ea"/>
+                  <a:cs typeface="Arial" pitchFamily="34" charset="0"/>
+                </a:defRPr>
+              </a:lvl4pPr>
+              <a:lvl5pPr marL="862310" indent="-190490" algn="l" defTabSz="5821955" rtl="0" eaLnBrk="1" latinLnBrk="0" hangingPunct="1">
+                <a:lnSpc>
+                  <a:spcPct val="100000"/>
+                </a:lnSpc>
+                <a:spcBef>
+                  <a:spcPts val="214"/>
+                </a:spcBef>
+                <a:buClrTx/>
+                <a:buFont typeface="Arial" pitchFamily="34" charset="0"/>
+                <a:buChar char="»"/>
+                <a:defRPr sz="1929" b="0" kern="1200">
+                  <a:solidFill>
+                    <a:schemeClr val="tx1"/>
+                  </a:solidFill>
+                  <a:latin typeface="Arial" pitchFamily="34" charset="0"/>
+                  <a:ea typeface="+mn-ea"/>
+                  <a:cs typeface="Arial" pitchFamily="34" charset="0"/>
+                </a:defRPr>
+              </a:lvl5pPr>
+              <a:lvl6pPr marL="16010376" indent="-1455489" algn="l" defTabSz="5821955" rtl="0" eaLnBrk="1" latinLnBrk="0" hangingPunct="1">
+                <a:spcBef>
+                  <a:spcPct val="20000"/>
+                </a:spcBef>
+                <a:buFont typeface="Arial" pitchFamily="34" charset="0"/>
+                <a:buChar char="•"/>
+                <a:defRPr sz="12749" kern="1200">
+                  <a:solidFill>
+                    <a:schemeClr val="tx1"/>
+                  </a:solidFill>
+                  <a:latin typeface="+mn-lt"/>
+                  <a:ea typeface="+mn-ea"/>
+                  <a:cs typeface="+mn-cs"/>
+                </a:defRPr>
+              </a:lvl6pPr>
+              <a:lvl7pPr marL="18921354" indent="-1455489" algn="l" defTabSz="5821955" rtl="0" eaLnBrk="1" latinLnBrk="0" hangingPunct="1">
+                <a:spcBef>
+                  <a:spcPct val="20000"/>
+                </a:spcBef>
+                <a:buFont typeface="Arial" pitchFamily="34" charset="0"/>
+                <a:buChar char="•"/>
+                <a:defRPr sz="12749" kern="1200">
+                  <a:solidFill>
+                    <a:schemeClr val="tx1"/>
+                  </a:solidFill>
+                  <a:latin typeface="+mn-lt"/>
+                  <a:ea typeface="+mn-ea"/>
+                  <a:cs typeface="+mn-cs"/>
+                </a:defRPr>
+              </a:lvl7pPr>
+              <a:lvl8pPr marL="21832331" indent="-1455489" algn="l" defTabSz="5821955" rtl="0" eaLnBrk="1" latinLnBrk="0" hangingPunct="1">
+                <a:spcBef>
+                  <a:spcPct val="20000"/>
+                </a:spcBef>
+                <a:buFont typeface="Arial" pitchFamily="34" charset="0"/>
+                <a:buChar char="•"/>
+                <a:defRPr sz="12749" kern="1200">
+                  <a:solidFill>
+                    <a:schemeClr val="tx1"/>
+                  </a:solidFill>
+                  <a:latin typeface="+mn-lt"/>
+                  <a:ea typeface="+mn-ea"/>
+                  <a:cs typeface="+mn-cs"/>
+                </a:defRPr>
+              </a:lvl8pPr>
+              <a:lvl9pPr marL="24743309" indent="-1455489" algn="l" defTabSz="5821955" rtl="0" eaLnBrk="1" latinLnBrk="0" hangingPunct="1">
+                <a:spcBef>
+                  <a:spcPct val="20000"/>
+                </a:spcBef>
+                <a:buFont typeface="Arial" pitchFamily="34" charset="0"/>
+                <a:buChar char="•"/>
+                <a:defRPr sz="12749" kern="1200">
+                  <a:solidFill>
+                    <a:schemeClr val="tx1"/>
+                  </a:solidFill>
+                  <a:latin typeface="+mn-lt"/>
+                  <a:ea typeface="+mn-ea"/>
+                  <a:cs typeface="+mn-cs"/>
+                </a:defRPr>
+              </a:lvl9pPr>
+            </a:lstStyle>
+            <a:p>
+              <a:pPr fontAlgn="auto">
+                <a:spcAft>
+                  <a:spcPts val="0"/>
+                </a:spcAft>
+              </a:pPr>
+              <a:r>
+                <a:rPr lang="en-US" dirty="0"/>
+                <a:t>Remote Memory Access</a:t>
+              </a:r>
+            </a:p>
+            <a:p>
+              <a:pPr lvl="1" fontAlgn="auto">
+                <a:spcAft>
+                  <a:spcPts val="0"/>
+                </a:spcAft>
+              </a:pPr>
+              <a:r>
+                <a:rPr lang="en-US" dirty="0"/>
+                <a:t>New RMA implementation allows scaling</a:t>
+              </a:r>
+            </a:p>
+            <a:p>
+              <a:pPr lvl="1" fontAlgn="auto">
+                <a:spcAft>
+                  <a:spcPts val="0"/>
+                </a:spcAft>
+              </a:pPr>
+              <a:r>
+                <a:rPr lang="en-US" dirty="0"/>
+                <a:t>Application performance similar to highly tuned vendor implementations</a:t>
+              </a:r>
+            </a:p>
+            <a:p>
+              <a:pPr fontAlgn="auto">
+                <a:spcAft>
+                  <a:spcPts val="0"/>
+                </a:spcAft>
+              </a:pPr>
+              <a:r>
+                <a:rPr lang="en-US" dirty="0"/>
+                <a:t>MPI Message Matching</a:t>
+              </a:r>
+            </a:p>
+            <a:p>
+              <a:pPr lvl="1" fontAlgn="auto">
+                <a:spcAft>
+                  <a:spcPts val="0"/>
+                </a:spcAft>
+              </a:pPr>
+              <a:r>
+                <a:rPr lang="en-US" dirty="0"/>
+                <a:t>Initial prototype performance up to 2X</a:t>
+              </a:r>
+            </a:p>
+            <a:p>
+              <a:pPr lvl="1" fontAlgn="auto">
+                <a:spcAft>
+                  <a:spcPts val="0"/>
+                </a:spcAft>
+              </a:pPr>
+              <a:r>
+                <a:rPr lang="en-US" dirty="0"/>
+                <a:t>Integration plan underway</a:t>
+              </a:r>
+            </a:p>
+            <a:p>
+              <a:pPr fontAlgn="auto">
+                <a:spcAft>
+                  <a:spcPts val="0"/>
+                </a:spcAft>
+              </a:pPr>
+              <a:r>
+                <a:rPr lang="en-US" dirty="0"/>
+                <a:t>Multi-threading</a:t>
+              </a:r>
+            </a:p>
+            <a:p>
+              <a:pPr lvl="1" fontAlgn="auto">
+                <a:spcAft>
+                  <a:spcPts val="0"/>
+                </a:spcAft>
+              </a:pPr>
+              <a:r>
+                <a:rPr lang="en-US" dirty="0"/>
+                <a:t>Multiple improvements completed</a:t>
+              </a:r>
+            </a:p>
+            <a:p>
+              <a:pPr fontAlgn="auto">
+                <a:spcAft>
+                  <a:spcPts val="0"/>
+                </a:spcAft>
+              </a:pPr>
+              <a:r>
+                <a:rPr lang="en-US" dirty="0"/>
+                <a:t>Memory profiling</a:t>
+              </a:r>
+            </a:p>
+            <a:p>
+              <a:pPr lvl="1" fontAlgn="auto">
+                <a:spcAft>
+                  <a:spcPts val="0"/>
+                </a:spcAft>
+              </a:pPr>
+              <a:r>
+                <a:rPr lang="en-US" dirty="0"/>
+                <a:t>Gather </a:t>
+              </a:r>
+              <a:r>
+                <a:rPr lang="en-US"/>
+                <a:t>baseline memory data via Tau</a:t>
+              </a:r>
+              <a:endParaRPr lang="en-US" dirty="0"/>
+            </a:p>
+            <a:p>
+              <a:pPr fontAlgn="auto">
+                <a:spcAft>
+                  <a:spcPts val="0"/>
+                </a:spcAft>
+              </a:pPr>
+              <a:r>
+                <a:rPr lang="en-US" dirty="0"/>
+                <a:t>Non-blocking Collectives</a:t>
+              </a:r>
+            </a:p>
+          </p:txBody>
+        </p:sp>
+        <p:pic>
+          <p:nvPicPr>
+            <p:cNvPr id="59" name="Picture 58">
+              <a:extLst>
+                <a:ext uri="{FF2B5EF4-FFF2-40B4-BE49-F238E27FC236}">
+                  <a16:creationId xmlns:a16="http://schemas.microsoft.com/office/drawing/2014/main" id="{D0423BD7-13DC-4BEC-BE6B-C19F7BF082A7}"/>
+                </a:ext>
+              </a:extLst>
+            </p:cNvPr>
+            <p:cNvPicPr>
+              <a:picLocks noChangeAspect="1"/>
+            </p:cNvPicPr>
+            <p:nvPr/>
+          </p:nvPicPr>
+          <p:blipFill>
+            <a:blip r:embed="rId11"/>
+            <a:stretch>
+              <a:fillRect/>
+            </a:stretch>
+          </p:blipFill>
+          <p:spPr>
+            <a:xfrm>
+              <a:off x="24493471" y="27575657"/>
+              <a:ext cx="4617760" cy="3358371"/>
+            </a:xfrm>
+            <a:prstGeom prst="rect">
+              <a:avLst/>
+            </a:prstGeom>
+          </p:spPr>
+        </p:pic>
+        <p:pic>
+          <p:nvPicPr>
+            <p:cNvPr id="60" name="Picture 59">
+              <a:extLst>
+                <a:ext uri="{FF2B5EF4-FFF2-40B4-BE49-F238E27FC236}">
+                  <a16:creationId xmlns:a16="http://schemas.microsoft.com/office/drawing/2014/main" id="{F72676E8-C108-4C37-979F-A8D5B032CC7D}"/>
+                </a:ext>
+              </a:extLst>
+            </p:cNvPr>
+            <p:cNvPicPr>
+              <a:picLocks noChangeAspect="1"/>
+            </p:cNvPicPr>
+            <p:nvPr/>
+          </p:nvPicPr>
+          <p:blipFill>
+            <a:blip r:embed="rId12">
+              <a:alphaModFix/>
+            </a:blip>
+            <a:stretch>
+              <a:fillRect/>
+            </a:stretch>
+          </p:blipFill>
+          <p:spPr>
+            <a:xfrm>
+              <a:off x="24791442" y="30934028"/>
+              <a:ext cx="4021818" cy="2728251"/>
+            </a:xfrm>
+            <a:prstGeom prst="rect">
+              <a:avLst/>
+            </a:prstGeom>
+          </p:spPr>
+        </p:pic>
+      </p:grpSp>
+      <p:grpSp>
+        <p:nvGrpSpPr>
+          <p:cNvPr id="6" name="Group 5">
             <a:extLst>
               <a:ext uri="{FF2B5EF4-FFF2-40B4-BE49-F238E27FC236}">
-                <a16:creationId xmlns:a16="http://schemas.microsoft.com/office/drawing/2014/main" id="{8B8270EC-74B0-4338-A359-CF287228F0B1}"/>
+                <a16:creationId xmlns:a16="http://schemas.microsoft.com/office/drawing/2014/main" id="{18CA83D6-885D-644C-8B22-E4A0F67C8D10}"/>
               </a:ext>
             </a:extLst>
           </p:cNvPr>
-          <p:cNvSpPr txBox="1">
-            <a:spLocks/>
-          </p:cNvSpPr>
+          <p:cNvGrpSpPr/>
           <p:nvPr/>
-        </p:nvSpPr>
-        <p:spPr>
+        </p:nvGrpSpPr>
+        <p:grpSpPr>
           <a:xfrm>
-            <a:off x="1399786" y="36179556"/>
-            <a:ext cx="9239551" cy="3373229"/>
+            <a:off x="4470651" y="34894329"/>
+            <a:ext cx="8432298" cy="4946243"/>
+            <a:chOff x="11083898" y="35331954"/>
+            <a:chExt cx="8432298" cy="4946243"/>
           </a:xfrm>
-          <a:prstGeom prst="rect">
-            <a:avLst/>
-          </a:prstGeom>
-        </p:spPr>
-        <p:txBody>
-          <a:bodyPr/>
-          <a:lstStyle>
-            <a:lvl1pPr marL="190490" indent="-190490" algn="l" defTabSz="5821955" rtl="0" eaLnBrk="1" latinLnBrk="0" hangingPunct="1">
-              <a:lnSpc>
-                <a:spcPct val="100000"/>
-              </a:lnSpc>
-              <a:spcBef>
-                <a:spcPts val="214"/>
-              </a:spcBef>
-              <a:buClrTx/>
-              <a:buFont typeface="Arial" pitchFamily="34" charset="0"/>
-              <a:buChar char="•"/>
-              <a:defRPr sz="2571" b="0" kern="1200">
-                <a:solidFill>
-                  <a:schemeClr val="tx1"/>
-                </a:solidFill>
-                <a:latin typeface="Arial" pitchFamily="34" charset="0"/>
-                <a:ea typeface="+mn-ea"/>
-                <a:cs typeface="Arial" pitchFamily="34" charset="0"/>
-              </a:defRPr>
-            </a:lvl1pPr>
-            <a:lvl2pPr marL="365674" indent="-175184" algn="l" defTabSz="5821955" rtl="0" eaLnBrk="1" latinLnBrk="0" hangingPunct="1">
-              <a:lnSpc>
-                <a:spcPct val="100000"/>
-              </a:lnSpc>
-              <a:spcBef>
-                <a:spcPts val="214"/>
-              </a:spcBef>
-              <a:buClrTx/>
-              <a:buFont typeface="Arial" pitchFamily="34" charset="0"/>
-              <a:buChar char="–"/>
-              <a:defRPr sz="2143" b="0" kern="1200">
-                <a:solidFill>
-                  <a:schemeClr val="tx1"/>
-                </a:solidFill>
-                <a:latin typeface="Arial" pitchFamily="34" charset="0"/>
-                <a:ea typeface="+mn-ea"/>
-                <a:cs typeface="Arial" pitchFamily="34" charset="0"/>
-              </a:defRPr>
-            </a:lvl2pPr>
-            <a:lvl3pPr marL="556165" indent="-190490" algn="l" defTabSz="5821955" rtl="0" eaLnBrk="1" latinLnBrk="0" hangingPunct="1">
-              <a:lnSpc>
-                <a:spcPct val="100000"/>
-              </a:lnSpc>
-              <a:spcBef>
-                <a:spcPts val="214"/>
-              </a:spcBef>
-              <a:buClrTx/>
-              <a:buFont typeface="Arial" pitchFamily="34" charset="0"/>
-              <a:buChar char="•"/>
-              <a:defRPr sz="1929" b="0" kern="1200">
-                <a:solidFill>
-                  <a:schemeClr val="tx1"/>
-                </a:solidFill>
-                <a:latin typeface="Arial" pitchFamily="34" charset="0"/>
-                <a:ea typeface="+mn-ea"/>
-                <a:cs typeface="Arial" pitchFamily="34" charset="0"/>
-              </a:defRPr>
-            </a:lvl3pPr>
-            <a:lvl4pPr marL="671820" indent="-175184" algn="l" defTabSz="5821955" rtl="0" eaLnBrk="1" latinLnBrk="0" hangingPunct="1">
-              <a:lnSpc>
-                <a:spcPct val="100000"/>
-              </a:lnSpc>
-              <a:spcBef>
-                <a:spcPts val="214"/>
-              </a:spcBef>
-              <a:buClrTx/>
-              <a:buFont typeface="Arial" pitchFamily="34" charset="0"/>
-              <a:buChar char="–"/>
-              <a:defRPr sz="1929" b="0" kern="1200">
-                <a:solidFill>
-                  <a:schemeClr val="tx1"/>
-                </a:solidFill>
-                <a:latin typeface="Arial" pitchFamily="34" charset="0"/>
-                <a:ea typeface="+mn-ea"/>
-                <a:cs typeface="Arial" pitchFamily="34" charset="0"/>
-              </a:defRPr>
-            </a:lvl4pPr>
-            <a:lvl5pPr marL="862310" indent="-190490" algn="l" defTabSz="5821955" rtl="0" eaLnBrk="1" latinLnBrk="0" hangingPunct="1">
-              <a:lnSpc>
-                <a:spcPct val="100000"/>
-              </a:lnSpc>
-              <a:spcBef>
-                <a:spcPts val="214"/>
-              </a:spcBef>
-              <a:buClrTx/>
-              <a:buFont typeface="Arial" pitchFamily="34" charset="0"/>
-              <a:buChar char="»"/>
-              <a:defRPr sz="1929" b="0" kern="1200">
-                <a:solidFill>
-                  <a:schemeClr val="tx1"/>
-                </a:solidFill>
-                <a:latin typeface="Arial" pitchFamily="34" charset="0"/>
-                <a:ea typeface="+mn-ea"/>
-                <a:cs typeface="Arial" pitchFamily="34" charset="0"/>
-              </a:defRPr>
-            </a:lvl5pPr>
-            <a:lvl6pPr marL="16010376" indent="-1455489" algn="l" defTabSz="5821955" rtl="0" eaLnBrk="1" latinLnBrk="0" hangingPunct="1">
-              <a:spcBef>
-                <a:spcPct val="20000"/>
-              </a:spcBef>
-              <a:buFont typeface="Arial" pitchFamily="34" charset="0"/>
-              <a:buChar char="•"/>
-              <a:defRPr sz="12749" kern="1200">
-                <a:solidFill>
-                  <a:schemeClr val="tx1"/>
-                </a:solidFill>
-                <a:latin typeface="+mn-lt"/>
-                <a:ea typeface="+mn-ea"/>
-                <a:cs typeface="+mn-cs"/>
-              </a:defRPr>
-            </a:lvl6pPr>
-            <a:lvl7pPr marL="18921354" indent="-1455489" algn="l" defTabSz="5821955" rtl="0" eaLnBrk="1" latinLnBrk="0" hangingPunct="1">
-              <a:spcBef>
-                <a:spcPct val="20000"/>
-              </a:spcBef>
-              <a:buFont typeface="Arial" pitchFamily="34" charset="0"/>
-              <a:buChar char="•"/>
-              <a:defRPr sz="12749" kern="1200">
-                <a:solidFill>
-                  <a:schemeClr val="tx1"/>
-                </a:solidFill>
-                <a:latin typeface="+mn-lt"/>
-                <a:ea typeface="+mn-ea"/>
-                <a:cs typeface="+mn-cs"/>
-              </a:defRPr>
-            </a:lvl7pPr>
-            <a:lvl8pPr marL="21832331" indent="-1455489" algn="l" defTabSz="5821955" rtl="0" eaLnBrk="1" latinLnBrk="0" hangingPunct="1">
-              <a:spcBef>
-                <a:spcPct val="20000"/>
-              </a:spcBef>
-              <a:buFont typeface="Arial" pitchFamily="34" charset="0"/>
-              <a:buChar char="•"/>
-              <a:defRPr sz="12749" kern="1200">
-                <a:solidFill>
-                  <a:schemeClr val="tx1"/>
-                </a:solidFill>
-                <a:latin typeface="+mn-lt"/>
-                <a:ea typeface="+mn-ea"/>
-                <a:cs typeface="+mn-cs"/>
-              </a:defRPr>
-            </a:lvl8pPr>
-            <a:lvl9pPr marL="24743309" indent="-1455489" algn="l" defTabSz="5821955" rtl="0" eaLnBrk="1" latinLnBrk="0" hangingPunct="1">
-              <a:spcBef>
-                <a:spcPct val="20000"/>
-              </a:spcBef>
-              <a:buFont typeface="Arial" pitchFamily="34" charset="0"/>
-              <a:buChar char="•"/>
-              <a:defRPr sz="12749" kern="1200">
-                <a:solidFill>
-                  <a:schemeClr val="tx1"/>
-                </a:solidFill>
-                <a:latin typeface="+mn-lt"/>
-                <a:ea typeface="+mn-ea"/>
-                <a:cs typeface="+mn-cs"/>
-              </a:defRPr>
-            </a:lvl9pPr>
-          </a:lstStyle>
-          <a:p>
-            <a:pPr fontAlgn="auto">
-              <a:spcAft>
-                <a:spcPts val="0"/>
-              </a:spcAft>
-            </a:pPr>
-            <a:r>
-              <a:rPr lang="en-US" sz="2400" dirty="0"/>
-              <a:t>Initial evaluation of scalable startup performance showing 3x improvement in launch time for </a:t>
-            </a:r>
-            <a:r>
-              <a:rPr lang="en-US" sz="2400" dirty="0" err="1"/>
-              <a:t>PMIx</a:t>
-            </a:r>
-            <a:r>
-              <a:rPr lang="en-US" sz="2400" dirty="0"/>
-              <a:t> Open MPI vs Cray ALPS Open MPI (presented during </a:t>
-            </a:r>
-            <a:r>
-              <a:rPr lang="en-US" sz="2400" dirty="0" err="1"/>
-              <a:t>PMIx</a:t>
-            </a:r>
-            <a:r>
-              <a:rPr lang="en-US" sz="2400" dirty="0"/>
-              <a:t> </a:t>
-            </a:r>
-            <a:r>
-              <a:rPr lang="en-US" sz="2400" dirty="0" err="1"/>
-              <a:t>BoF</a:t>
-            </a:r>
-            <a:r>
-              <a:rPr lang="en-US" sz="2400" dirty="0"/>
-              <a:t> at SC’17)</a:t>
-            </a:r>
-          </a:p>
-          <a:p>
-            <a:pPr fontAlgn="auto">
-              <a:spcAft>
-                <a:spcPts val="0"/>
-              </a:spcAft>
-            </a:pPr>
-            <a:r>
-              <a:rPr lang="en-US" sz="2400" dirty="0" err="1"/>
-              <a:t>PMIx</a:t>
-            </a:r>
-            <a:r>
-              <a:rPr lang="en-US" sz="2400" dirty="0"/>
-              <a:t> event notification API in the </a:t>
-            </a:r>
-            <a:r>
-              <a:rPr lang="en-US" sz="2400" dirty="0" err="1"/>
-              <a:t>PMIx</a:t>
-            </a:r>
-            <a:r>
-              <a:rPr lang="en-US" sz="2400" dirty="0"/>
-              <a:t> standard document</a:t>
-            </a:r>
-          </a:p>
-          <a:p>
-            <a:pPr fontAlgn="auto">
-              <a:spcAft>
-                <a:spcPts val="0"/>
-              </a:spcAft>
-            </a:pPr>
-            <a:r>
-              <a:rPr lang="en-US" sz="2400" dirty="0"/>
-              <a:t>Event notification API used in fault-tolerant Open MPI (ULFM)</a:t>
-            </a:r>
-          </a:p>
-          <a:p>
-            <a:pPr fontAlgn="auto">
-              <a:spcAft>
-                <a:spcPts val="0"/>
-              </a:spcAft>
-            </a:pPr>
-            <a:r>
-              <a:rPr lang="en-US" sz="2400" dirty="0"/>
-              <a:t>Generic failure detector API defined</a:t>
-            </a:r>
-          </a:p>
-          <a:p>
-            <a:pPr lvl="1" fontAlgn="auto">
-              <a:spcBef>
-                <a:spcPts val="200"/>
-              </a:spcBef>
-              <a:spcAft>
-                <a:spcPts val="0"/>
-              </a:spcAft>
-            </a:pPr>
-            <a:r>
-              <a:rPr lang="en-US" sz="1800" dirty="0"/>
-              <a:t>Transfer failure detector capability from Open MPI to </a:t>
-            </a:r>
-            <a:r>
-              <a:rPr lang="en-US" sz="1800" dirty="0" err="1"/>
-              <a:t>PMIx</a:t>
-            </a:r>
-            <a:r>
-              <a:rPr lang="en-US" sz="1800" dirty="0"/>
-              <a:t> (prototyping started)</a:t>
-            </a:r>
-          </a:p>
-          <a:p>
-            <a:pPr fontAlgn="auto">
-              <a:spcAft>
-                <a:spcPts val="0"/>
-              </a:spcAft>
-            </a:pPr>
-            <a:r>
-              <a:rPr lang="en-US" sz="2400" dirty="0"/>
-              <a:t>Implement SCON, scalable overlay network library that provides communication capabilities for </a:t>
-            </a:r>
-            <a:r>
-              <a:rPr lang="en-US" sz="2400" dirty="0" err="1"/>
-              <a:t>PMIx</a:t>
-            </a:r>
-            <a:r>
-              <a:rPr lang="en-US" sz="2400" dirty="0"/>
-              <a:t> (API design in progress)</a:t>
-            </a:r>
-          </a:p>
-          <a:p>
-            <a:pPr fontAlgn="auto">
-              <a:spcAft>
-                <a:spcPts val="0"/>
-              </a:spcAft>
-            </a:pPr>
-            <a:endParaRPr lang="en-US" sz="2400" dirty="0"/>
-          </a:p>
-        </p:txBody>
-      </p:sp>
-      <p:sp>
-        <p:nvSpPr>
-          <p:cNvPr id="57" name="Title 1">
+        </p:grpSpPr>
+        <p:sp>
+          <p:nvSpPr>
+            <p:cNvPr id="61" name="Title 1">
+              <a:extLst>
+                <a:ext uri="{FF2B5EF4-FFF2-40B4-BE49-F238E27FC236}">
+                  <a16:creationId xmlns:a16="http://schemas.microsoft.com/office/drawing/2014/main" id="{1CA64717-E4B1-4557-A56B-367239CDEDE0}"/>
+                </a:ext>
+              </a:extLst>
+            </p:cNvPr>
+            <p:cNvSpPr txBox="1">
+              <a:spLocks/>
+            </p:cNvSpPr>
+            <p:nvPr/>
+          </p:nvSpPr>
+          <p:spPr>
+            <a:xfrm>
+              <a:off x="11925077" y="35331954"/>
+              <a:ext cx="6935238" cy="1656712"/>
+            </a:xfrm>
+            <a:prstGeom prst="rect">
+              <a:avLst/>
+            </a:prstGeom>
+          </p:spPr>
+          <p:txBody>
+            <a:bodyPr vert="horz" wrap="square" lIns="543410" tIns="271705" rIns="543410" bIns="271705" rtlCol="0" anchor="t" anchorCtr="0">
+              <a:spAutoFit/>
+            </a:bodyPr>
+            <a:lstStyle>
+              <a:lvl1pPr algn="ctr" defTabSz="5821955" rtl="0" eaLnBrk="1" latinLnBrk="0" hangingPunct="1">
+                <a:lnSpc>
+                  <a:spcPct val="100000"/>
+                </a:lnSpc>
+                <a:spcBef>
+                  <a:spcPct val="0"/>
+                </a:spcBef>
+                <a:buNone/>
+                <a:defRPr sz="3214" kern="1200">
+                  <a:solidFill>
+                    <a:schemeClr val="tx1"/>
+                  </a:solidFill>
+                  <a:latin typeface="Arial Black" pitchFamily="34" charset="0"/>
+                  <a:ea typeface="+mj-ea"/>
+                  <a:cs typeface="+mj-cs"/>
+                </a:defRPr>
+              </a:lvl1pPr>
+            </a:lstStyle>
+            <a:p>
+              <a:pPr fontAlgn="auto">
+                <a:spcAft>
+                  <a:spcPts val="0"/>
+                </a:spcAft>
+              </a:pPr>
+              <a:r>
+                <a:rPr lang="en-US" sz="3600" dirty="0"/>
+                <a:t>Topology and Congestion Awareness	</a:t>
+              </a:r>
+            </a:p>
+          </p:txBody>
+        </p:sp>
+        <p:sp>
+          <p:nvSpPr>
+            <p:cNvPr id="65" name="Content Placeholder 11">
+              <a:extLst>
+                <a:ext uri="{FF2B5EF4-FFF2-40B4-BE49-F238E27FC236}">
+                  <a16:creationId xmlns:a16="http://schemas.microsoft.com/office/drawing/2014/main" id="{D3EC7D83-4070-4344-8723-65BCE96612A2}"/>
+                </a:ext>
+              </a:extLst>
+            </p:cNvPr>
+            <p:cNvSpPr txBox="1">
+              <a:spLocks/>
+            </p:cNvSpPr>
+            <p:nvPr/>
+          </p:nvSpPr>
+          <p:spPr>
+            <a:xfrm>
+              <a:off x="11083898" y="36904968"/>
+              <a:ext cx="8432298" cy="3373229"/>
+            </a:xfrm>
+            <a:prstGeom prst="rect">
+              <a:avLst/>
+            </a:prstGeom>
+          </p:spPr>
+          <p:txBody>
+            <a:bodyPr/>
+            <a:lstStyle>
+              <a:lvl1pPr marL="190490" indent="-190490" algn="l" defTabSz="5821955" rtl="0" eaLnBrk="1" latinLnBrk="0" hangingPunct="1">
+                <a:lnSpc>
+                  <a:spcPct val="100000"/>
+                </a:lnSpc>
+                <a:spcBef>
+                  <a:spcPts val="214"/>
+                </a:spcBef>
+                <a:buClrTx/>
+                <a:buFont typeface="Arial" pitchFamily="34" charset="0"/>
+                <a:buChar char="•"/>
+                <a:defRPr sz="2571" b="0" kern="1200">
+                  <a:solidFill>
+                    <a:schemeClr val="tx1"/>
+                  </a:solidFill>
+                  <a:latin typeface="Arial" pitchFamily="34" charset="0"/>
+                  <a:ea typeface="+mn-ea"/>
+                  <a:cs typeface="Arial" pitchFamily="34" charset="0"/>
+                </a:defRPr>
+              </a:lvl1pPr>
+              <a:lvl2pPr marL="365674" indent="-175184" algn="l" defTabSz="5821955" rtl="0" eaLnBrk="1" latinLnBrk="0" hangingPunct="1">
+                <a:lnSpc>
+                  <a:spcPct val="100000"/>
+                </a:lnSpc>
+                <a:spcBef>
+                  <a:spcPts val="214"/>
+                </a:spcBef>
+                <a:buClrTx/>
+                <a:buFont typeface="Arial" pitchFamily="34" charset="0"/>
+                <a:buChar char="–"/>
+                <a:defRPr sz="2143" b="0" kern="1200">
+                  <a:solidFill>
+                    <a:schemeClr val="tx1"/>
+                  </a:solidFill>
+                  <a:latin typeface="Arial" pitchFamily="34" charset="0"/>
+                  <a:ea typeface="+mn-ea"/>
+                  <a:cs typeface="Arial" pitchFamily="34" charset="0"/>
+                </a:defRPr>
+              </a:lvl2pPr>
+              <a:lvl3pPr marL="556165" indent="-190490" algn="l" defTabSz="5821955" rtl="0" eaLnBrk="1" latinLnBrk="0" hangingPunct="1">
+                <a:lnSpc>
+                  <a:spcPct val="100000"/>
+                </a:lnSpc>
+                <a:spcBef>
+                  <a:spcPts val="214"/>
+                </a:spcBef>
+                <a:buClrTx/>
+                <a:buFont typeface="Arial" pitchFamily="34" charset="0"/>
+                <a:buChar char="•"/>
+                <a:defRPr sz="1929" b="0" kern="1200">
+                  <a:solidFill>
+                    <a:schemeClr val="tx1"/>
+                  </a:solidFill>
+                  <a:latin typeface="Arial" pitchFamily="34" charset="0"/>
+                  <a:ea typeface="+mn-ea"/>
+                  <a:cs typeface="Arial" pitchFamily="34" charset="0"/>
+                </a:defRPr>
+              </a:lvl3pPr>
+              <a:lvl4pPr marL="671820" indent="-175184" algn="l" defTabSz="5821955" rtl="0" eaLnBrk="1" latinLnBrk="0" hangingPunct="1">
+                <a:lnSpc>
+                  <a:spcPct val="100000"/>
+                </a:lnSpc>
+                <a:spcBef>
+                  <a:spcPts val="214"/>
+                </a:spcBef>
+                <a:buClrTx/>
+                <a:buFont typeface="Arial" pitchFamily="34" charset="0"/>
+                <a:buChar char="–"/>
+                <a:defRPr sz="1929" b="0" kern="1200">
+                  <a:solidFill>
+                    <a:schemeClr val="tx1"/>
+                  </a:solidFill>
+                  <a:latin typeface="Arial" pitchFamily="34" charset="0"/>
+                  <a:ea typeface="+mn-ea"/>
+                  <a:cs typeface="Arial" pitchFamily="34" charset="0"/>
+                </a:defRPr>
+              </a:lvl4pPr>
+              <a:lvl5pPr marL="862310" indent="-190490" algn="l" defTabSz="5821955" rtl="0" eaLnBrk="1" latinLnBrk="0" hangingPunct="1">
+                <a:lnSpc>
+                  <a:spcPct val="100000"/>
+                </a:lnSpc>
+                <a:spcBef>
+                  <a:spcPts val="214"/>
+                </a:spcBef>
+                <a:buClrTx/>
+                <a:buFont typeface="Arial" pitchFamily="34" charset="0"/>
+                <a:buChar char="»"/>
+                <a:defRPr sz="1929" b="0" kern="1200">
+                  <a:solidFill>
+                    <a:schemeClr val="tx1"/>
+                  </a:solidFill>
+                  <a:latin typeface="Arial" pitchFamily="34" charset="0"/>
+                  <a:ea typeface="+mn-ea"/>
+                  <a:cs typeface="Arial" pitchFamily="34" charset="0"/>
+                </a:defRPr>
+              </a:lvl5pPr>
+              <a:lvl6pPr marL="16010376" indent="-1455489" algn="l" defTabSz="5821955" rtl="0" eaLnBrk="1" latinLnBrk="0" hangingPunct="1">
+                <a:spcBef>
+                  <a:spcPct val="20000"/>
+                </a:spcBef>
+                <a:buFont typeface="Arial" pitchFamily="34" charset="0"/>
+                <a:buChar char="•"/>
+                <a:defRPr sz="12749" kern="1200">
+                  <a:solidFill>
+                    <a:schemeClr val="tx1"/>
+                  </a:solidFill>
+                  <a:latin typeface="+mn-lt"/>
+                  <a:ea typeface="+mn-ea"/>
+                  <a:cs typeface="+mn-cs"/>
+                </a:defRPr>
+              </a:lvl6pPr>
+              <a:lvl7pPr marL="18921354" indent="-1455489" algn="l" defTabSz="5821955" rtl="0" eaLnBrk="1" latinLnBrk="0" hangingPunct="1">
+                <a:spcBef>
+                  <a:spcPct val="20000"/>
+                </a:spcBef>
+                <a:buFont typeface="Arial" pitchFamily="34" charset="0"/>
+                <a:buChar char="•"/>
+                <a:defRPr sz="12749" kern="1200">
+                  <a:solidFill>
+                    <a:schemeClr val="tx1"/>
+                  </a:solidFill>
+                  <a:latin typeface="+mn-lt"/>
+                  <a:ea typeface="+mn-ea"/>
+                  <a:cs typeface="+mn-cs"/>
+                </a:defRPr>
+              </a:lvl7pPr>
+              <a:lvl8pPr marL="21832331" indent="-1455489" algn="l" defTabSz="5821955" rtl="0" eaLnBrk="1" latinLnBrk="0" hangingPunct="1">
+                <a:spcBef>
+                  <a:spcPct val="20000"/>
+                </a:spcBef>
+                <a:buFont typeface="Arial" pitchFamily="34" charset="0"/>
+                <a:buChar char="•"/>
+                <a:defRPr sz="12749" kern="1200">
+                  <a:solidFill>
+                    <a:schemeClr val="tx1"/>
+                  </a:solidFill>
+                  <a:latin typeface="+mn-lt"/>
+                  <a:ea typeface="+mn-ea"/>
+                  <a:cs typeface="+mn-cs"/>
+                </a:defRPr>
+              </a:lvl8pPr>
+              <a:lvl9pPr marL="24743309" indent="-1455489" algn="l" defTabSz="5821955" rtl="0" eaLnBrk="1" latinLnBrk="0" hangingPunct="1">
+                <a:spcBef>
+                  <a:spcPct val="20000"/>
+                </a:spcBef>
+                <a:buFont typeface="Arial" pitchFamily="34" charset="0"/>
+                <a:buChar char="•"/>
+                <a:defRPr sz="12749" kern="1200">
+                  <a:solidFill>
+                    <a:schemeClr val="tx1"/>
+                  </a:solidFill>
+                  <a:latin typeface="+mn-lt"/>
+                  <a:ea typeface="+mn-ea"/>
+                  <a:cs typeface="+mn-cs"/>
+                </a:defRPr>
+              </a:lvl9pPr>
+            </a:lstStyle>
+            <a:p>
+              <a:pPr fontAlgn="auto">
+                <a:spcAft>
+                  <a:spcPts val="0"/>
+                </a:spcAft>
+              </a:pPr>
+              <a:r>
+                <a:rPr lang="en-US" sz="2400" dirty="0"/>
+                <a:t>Developing module to gather the communication weights between processes</a:t>
+              </a:r>
+            </a:p>
+            <a:p>
+              <a:pPr lvl="1" fontAlgn="auto">
+                <a:spcBef>
+                  <a:spcPts val="200"/>
+                </a:spcBef>
+                <a:spcAft>
+                  <a:spcPts val="0"/>
+                </a:spcAft>
+              </a:pPr>
+              <a:r>
+                <a:rPr lang="en-US" sz="2000" dirty="0"/>
+                <a:t>Capability to distinguish between pt2pt collective file IO or RMA) </a:t>
+              </a:r>
+            </a:p>
+            <a:p>
+              <a:pPr fontAlgn="auto">
+                <a:spcAft>
+                  <a:spcPts val="0"/>
+                </a:spcAft>
+              </a:pPr>
+              <a:r>
+                <a:rPr lang="en-US" sz="2400" dirty="0"/>
+                <a:t>Developing module to reorder processes based on weights</a:t>
+              </a:r>
+            </a:p>
+            <a:p>
+              <a:pPr fontAlgn="auto">
+                <a:spcAft>
+                  <a:spcPts val="0"/>
+                </a:spcAft>
+              </a:pPr>
+              <a:r>
+                <a:rPr lang="en-US" sz="2400" dirty="0"/>
+                <a:t>Initial implementation available in Open MPI GitHub master</a:t>
+              </a:r>
+            </a:p>
+          </p:txBody>
+        </p:sp>
+      </p:grpSp>
+      <p:grpSp>
+        <p:nvGrpSpPr>
+          <p:cNvPr id="15" name="Group 14">
             <a:extLst>
               <a:ext uri="{FF2B5EF4-FFF2-40B4-BE49-F238E27FC236}">
-                <a16:creationId xmlns:a16="http://schemas.microsoft.com/office/drawing/2014/main" id="{C07305BC-BAE3-4E8F-AA7B-6A9665A04A23}"/>
+                <a16:creationId xmlns:a16="http://schemas.microsoft.com/office/drawing/2014/main" id="{28C9F0BC-814A-2549-A51C-8CBD95BA309F}"/>
               </a:ext>
             </a:extLst>
           </p:cNvPr>
-          <p:cNvSpPr txBox="1">
-            <a:spLocks/>
-          </p:cNvSpPr>
+          <p:cNvGrpSpPr/>
           <p:nvPr/>
-        </p:nvSpPr>
-        <p:spPr>
+        </p:nvGrpSpPr>
+        <p:grpSpPr>
           <a:xfrm>
-            <a:off x="18958621" y="26407266"/>
-            <a:ext cx="10218478" cy="2210710"/>
+            <a:off x="18707436" y="34873560"/>
+            <a:ext cx="9656064" cy="4780912"/>
+            <a:chOff x="19929592" y="35224088"/>
+            <a:chExt cx="9656064" cy="4780912"/>
           </a:xfrm>
-          <a:prstGeom prst="rect">
-            <a:avLst/>
-          </a:prstGeom>
-        </p:spPr>
-        <p:txBody>
-          <a:bodyPr vert="horz" wrap="square" lIns="543410" tIns="271705" rIns="543410" bIns="271705" rtlCol="0" anchor="t" anchorCtr="0">
-            <a:spAutoFit/>
-          </a:bodyPr>
-          <a:lstStyle>
-            <a:lvl1pPr algn="ctr" defTabSz="5821955" rtl="0" eaLnBrk="1" latinLnBrk="0" hangingPunct="1">
-              <a:lnSpc>
-                <a:spcPct val="100000"/>
-              </a:lnSpc>
-              <a:spcBef>
-                <a:spcPct val="0"/>
-              </a:spcBef>
-              <a:buNone/>
-              <a:defRPr sz="3214" kern="1200">
-                <a:solidFill>
-                  <a:schemeClr val="tx1"/>
-                </a:solidFill>
-                <a:latin typeface="Arial Black" pitchFamily="34" charset="0"/>
-                <a:ea typeface="+mj-ea"/>
-                <a:cs typeface="+mj-cs"/>
-              </a:defRPr>
-            </a:lvl1pPr>
-          </a:lstStyle>
-          <a:p>
-            <a:pPr fontAlgn="auto">
-              <a:spcAft>
-                <a:spcPts val="0"/>
-              </a:spcAft>
-            </a:pPr>
-            <a:r>
-              <a:rPr lang="en-US" sz="3600" dirty="0"/>
-              <a:t>MPI Performance and Scalability Improvements</a:t>
-            </a:r>
-            <a:br>
-              <a:rPr lang="en-US" sz="3600" dirty="0"/>
-            </a:br>
-            <a:endParaRPr lang="en-US" sz="3600" dirty="0"/>
-          </a:p>
-        </p:txBody>
-      </p:sp>
-      <p:sp>
-        <p:nvSpPr>
-          <p:cNvPr id="58" name="Content Placeholder 2">
-            <a:extLst>
-              <a:ext uri="{FF2B5EF4-FFF2-40B4-BE49-F238E27FC236}">
-                <a16:creationId xmlns:a16="http://schemas.microsoft.com/office/drawing/2014/main" id="{B0EEBFAC-FE18-4F6E-A861-67118FF146D7}"/>
-              </a:ext>
-            </a:extLst>
-          </p:cNvPr>
-          <p:cNvSpPr txBox="1">
-            <a:spLocks/>
-          </p:cNvSpPr>
-          <p:nvPr/>
-        </p:nvSpPr>
-        <p:spPr>
-          <a:xfrm>
-            <a:off x="18288000" y="28858038"/>
-            <a:ext cx="6407630" cy="4315004"/>
-          </a:xfrm>
-          <a:prstGeom prst="rect">
-            <a:avLst/>
-          </a:prstGeom>
-        </p:spPr>
-        <p:txBody>
-          <a:bodyPr vert="horz" wrap="square" lIns="543410" tIns="271705" rIns="543410" bIns="271705" rtlCol="0">
-            <a:spAutoFit/>
-          </a:bodyPr>
-          <a:lstStyle>
-            <a:lvl1pPr marL="190490" indent="-190490" algn="l" defTabSz="5821955" rtl="0" eaLnBrk="1" latinLnBrk="0" hangingPunct="1">
-              <a:lnSpc>
-                <a:spcPct val="100000"/>
-              </a:lnSpc>
-              <a:spcBef>
-                <a:spcPts val="214"/>
-              </a:spcBef>
-              <a:buClrTx/>
-              <a:buFont typeface="Arial" pitchFamily="34" charset="0"/>
-              <a:buChar char="•"/>
-              <a:defRPr sz="2571" b="0" kern="1200">
-                <a:solidFill>
-                  <a:schemeClr val="tx1"/>
-                </a:solidFill>
-                <a:latin typeface="Arial" pitchFamily="34" charset="0"/>
-                <a:ea typeface="+mn-ea"/>
-                <a:cs typeface="Arial" pitchFamily="34" charset="0"/>
-              </a:defRPr>
-            </a:lvl1pPr>
-            <a:lvl2pPr marL="365674" indent="-175184" algn="l" defTabSz="5821955" rtl="0" eaLnBrk="1" latinLnBrk="0" hangingPunct="1">
-              <a:lnSpc>
-                <a:spcPct val="100000"/>
-              </a:lnSpc>
-              <a:spcBef>
-                <a:spcPts val="214"/>
-              </a:spcBef>
-              <a:buClrTx/>
-              <a:buFont typeface="Arial" pitchFamily="34" charset="0"/>
-              <a:buChar char="–"/>
-              <a:defRPr sz="2143" b="0" kern="1200">
-                <a:solidFill>
-                  <a:schemeClr val="tx1"/>
-                </a:solidFill>
-                <a:latin typeface="Arial" pitchFamily="34" charset="0"/>
-                <a:ea typeface="+mn-ea"/>
-                <a:cs typeface="Arial" pitchFamily="34" charset="0"/>
-              </a:defRPr>
-            </a:lvl2pPr>
-            <a:lvl3pPr marL="556165" indent="-190490" algn="l" defTabSz="5821955" rtl="0" eaLnBrk="1" latinLnBrk="0" hangingPunct="1">
-              <a:lnSpc>
-                <a:spcPct val="100000"/>
-              </a:lnSpc>
-              <a:spcBef>
-                <a:spcPts val="214"/>
-              </a:spcBef>
-              <a:buClrTx/>
-              <a:buFont typeface="Arial" pitchFamily="34" charset="0"/>
-              <a:buChar char="•"/>
-              <a:defRPr sz="1929" b="0" kern="1200">
-                <a:solidFill>
-                  <a:schemeClr val="tx1"/>
-                </a:solidFill>
-                <a:latin typeface="Arial" pitchFamily="34" charset="0"/>
-                <a:ea typeface="+mn-ea"/>
-                <a:cs typeface="Arial" pitchFamily="34" charset="0"/>
-              </a:defRPr>
-            </a:lvl3pPr>
-            <a:lvl4pPr marL="671820" indent="-175184" algn="l" defTabSz="5821955" rtl="0" eaLnBrk="1" latinLnBrk="0" hangingPunct="1">
-              <a:lnSpc>
-                <a:spcPct val="100000"/>
-              </a:lnSpc>
-              <a:spcBef>
-                <a:spcPts val="214"/>
-              </a:spcBef>
-              <a:buClrTx/>
-              <a:buFont typeface="Arial" pitchFamily="34" charset="0"/>
-              <a:buChar char="–"/>
-              <a:defRPr sz="1929" b="0" kern="1200">
-                <a:solidFill>
-                  <a:schemeClr val="tx1"/>
-                </a:solidFill>
-                <a:latin typeface="Arial" pitchFamily="34" charset="0"/>
-                <a:ea typeface="+mn-ea"/>
-                <a:cs typeface="Arial" pitchFamily="34" charset="0"/>
-              </a:defRPr>
-            </a:lvl4pPr>
-            <a:lvl5pPr marL="862310" indent="-190490" algn="l" defTabSz="5821955" rtl="0" eaLnBrk="1" latinLnBrk="0" hangingPunct="1">
-              <a:lnSpc>
-                <a:spcPct val="100000"/>
-              </a:lnSpc>
-              <a:spcBef>
-                <a:spcPts val="214"/>
-              </a:spcBef>
-              <a:buClrTx/>
-              <a:buFont typeface="Arial" pitchFamily="34" charset="0"/>
-              <a:buChar char="»"/>
-              <a:defRPr sz="1929" b="0" kern="1200">
-                <a:solidFill>
-                  <a:schemeClr val="tx1"/>
-                </a:solidFill>
-                <a:latin typeface="Arial" pitchFamily="34" charset="0"/>
-                <a:ea typeface="+mn-ea"/>
-                <a:cs typeface="Arial" pitchFamily="34" charset="0"/>
-              </a:defRPr>
-            </a:lvl5pPr>
-            <a:lvl6pPr marL="16010376" indent="-1455489" algn="l" defTabSz="5821955" rtl="0" eaLnBrk="1" latinLnBrk="0" hangingPunct="1">
-              <a:spcBef>
-                <a:spcPct val="20000"/>
-              </a:spcBef>
-              <a:buFont typeface="Arial" pitchFamily="34" charset="0"/>
-              <a:buChar char="•"/>
-              <a:defRPr sz="12749" kern="1200">
-                <a:solidFill>
-                  <a:schemeClr val="tx1"/>
-                </a:solidFill>
-                <a:latin typeface="+mn-lt"/>
-                <a:ea typeface="+mn-ea"/>
-                <a:cs typeface="+mn-cs"/>
-              </a:defRPr>
-            </a:lvl6pPr>
-            <a:lvl7pPr marL="18921354" indent="-1455489" algn="l" defTabSz="5821955" rtl="0" eaLnBrk="1" latinLnBrk="0" hangingPunct="1">
-              <a:spcBef>
-                <a:spcPct val="20000"/>
-              </a:spcBef>
-              <a:buFont typeface="Arial" pitchFamily="34" charset="0"/>
-              <a:buChar char="•"/>
-              <a:defRPr sz="12749" kern="1200">
-                <a:solidFill>
-                  <a:schemeClr val="tx1"/>
-                </a:solidFill>
-                <a:latin typeface="+mn-lt"/>
-                <a:ea typeface="+mn-ea"/>
-                <a:cs typeface="+mn-cs"/>
-              </a:defRPr>
-            </a:lvl7pPr>
-            <a:lvl8pPr marL="21832331" indent="-1455489" algn="l" defTabSz="5821955" rtl="0" eaLnBrk="1" latinLnBrk="0" hangingPunct="1">
-              <a:spcBef>
-                <a:spcPct val="20000"/>
-              </a:spcBef>
-              <a:buFont typeface="Arial" pitchFamily="34" charset="0"/>
-              <a:buChar char="•"/>
-              <a:defRPr sz="12749" kern="1200">
-                <a:solidFill>
-                  <a:schemeClr val="tx1"/>
-                </a:solidFill>
-                <a:latin typeface="+mn-lt"/>
-                <a:ea typeface="+mn-ea"/>
-                <a:cs typeface="+mn-cs"/>
-              </a:defRPr>
-            </a:lvl8pPr>
-            <a:lvl9pPr marL="24743309" indent="-1455489" algn="l" defTabSz="5821955" rtl="0" eaLnBrk="1" latinLnBrk="0" hangingPunct="1">
-              <a:spcBef>
-                <a:spcPct val="20000"/>
-              </a:spcBef>
-              <a:buFont typeface="Arial" pitchFamily="34" charset="0"/>
-              <a:buChar char="•"/>
-              <a:defRPr sz="12749" kern="1200">
-                <a:solidFill>
-                  <a:schemeClr val="tx1"/>
-                </a:solidFill>
-                <a:latin typeface="+mn-lt"/>
-                <a:ea typeface="+mn-ea"/>
-                <a:cs typeface="+mn-cs"/>
-              </a:defRPr>
-            </a:lvl9pPr>
-          </a:lstStyle>
-          <a:p>
-            <a:pPr fontAlgn="auto">
-              <a:spcAft>
-                <a:spcPts val="0"/>
-              </a:spcAft>
-            </a:pPr>
-            <a:r>
-              <a:rPr lang="en-US" dirty="0"/>
-              <a:t>Remote Memory Access</a:t>
-            </a:r>
-          </a:p>
-          <a:p>
-            <a:pPr lvl="1" fontAlgn="auto">
-              <a:spcAft>
-                <a:spcPts val="0"/>
-              </a:spcAft>
-            </a:pPr>
-            <a:r>
-              <a:rPr lang="en-US" dirty="0"/>
-              <a:t>New RMA implementation allows scaling</a:t>
-            </a:r>
-          </a:p>
-          <a:p>
-            <a:pPr lvl="1" fontAlgn="auto">
-              <a:spcAft>
-                <a:spcPts val="0"/>
-              </a:spcAft>
-            </a:pPr>
-            <a:r>
-              <a:rPr lang="en-US" dirty="0"/>
-              <a:t>Application performance similar to highly tuned vendor </a:t>
-            </a:r>
-            <a:r>
-              <a:rPr lang="en-US" dirty="0" err="1"/>
-              <a:t>implentations</a:t>
-            </a:r>
-            <a:endParaRPr lang="en-US" dirty="0"/>
-          </a:p>
-          <a:p>
-            <a:pPr fontAlgn="auto">
-              <a:spcAft>
-                <a:spcPts val="0"/>
-              </a:spcAft>
-            </a:pPr>
-            <a:r>
-              <a:rPr lang="en-US" dirty="0"/>
-              <a:t>MPI Message Matching</a:t>
-            </a:r>
-          </a:p>
-          <a:p>
-            <a:pPr lvl="1" fontAlgn="auto">
-              <a:spcAft>
-                <a:spcPts val="0"/>
-              </a:spcAft>
-            </a:pPr>
-            <a:r>
-              <a:rPr lang="en-US" dirty="0"/>
-              <a:t>Initial prototype perf. up to 2X</a:t>
-            </a:r>
-          </a:p>
-          <a:p>
-            <a:pPr lvl="1" fontAlgn="auto">
-              <a:spcAft>
-                <a:spcPts val="0"/>
-              </a:spcAft>
-            </a:pPr>
-            <a:r>
-              <a:rPr lang="en-US" dirty="0"/>
-              <a:t>Integration plan underway</a:t>
-            </a:r>
-          </a:p>
-          <a:p>
-            <a:pPr fontAlgn="auto">
-              <a:spcAft>
-                <a:spcPts val="0"/>
-              </a:spcAft>
-            </a:pPr>
-            <a:r>
-              <a:rPr lang="en-US" dirty="0"/>
-              <a:t>Multi-threading</a:t>
-            </a:r>
-          </a:p>
-          <a:p>
-            <a:pPr lvl="1" fontAlgn="auto">
-              <a:spcAft>
-                <a:spcPts val="0"/>
-              </a:spcAft>
-            </a:pPr>
-            <a:r>
-              <a:rPr lang="en-US" dirty="0"/>
-              <a:t>Multiple improvements completed</a:t>
-            </a:r>
-          </a:p>
-          <a:p>
-            <a:pPr fontAlgn="auto">
-              <a:spcAft>
-                <a:spcPts val="0"/>
-              </a:spcAft>
-            </a:pPr>
-            <a:r>
-              <a:rPr lang="en-US" dirty="0"/>
-              <a:t>Non-blocking Collectives</a:t>
-            </a:r>
-          </a:p>
-        </p:txBody>
-      </p:sp>
-      <p:pic>
-        <p:nvPicPr>
-          <p:cNvPr id="59" name="Picture 58">
-            <a:extLst>
-              <a:ext uri="{FF2B5EF4-FFF2-40B4-BE49-F238E27FC236}">
-                <a16:creationId xmlns:a16="http://schemas.microsoft.com/office/drawing/2014/main" id="{D0423BD7-13DC-4BEC-BE6B-C19F7BF082A7}"/>
-              </a:ext>
-            </a:extLst>
-          </p:cNvPr>
-          <p:cNvPicPr>
-            <a:picLocks noChangeAspect="1"/>
-          </p:cNvPicPr>
-          <p:nvPr/>
-        </p:nvPicPr>
-        <p:blipFill>
-          <a:blip r:embed="rId11"/>
-          <a:stretch>
-            <a:fillRect/>
-          </a:stretch>
-        </p:blipFill>
-        <p:spPr>
-          <a:xfrm>
-            <a:off x="24817589" y="27822378"/>
-            <a:ext cx="4617760" cy="3358371"/>
-          </a:xfrm>
-          <a:prstGeom prst="rect">
-            <a:avLst/>
-          </a:prstGeom>
-        </p:spPr>
-      </p:pic>
-      <p:pic>
-        <p:nvPicPr>
-          <p:cNvPr id="60" name="Picture 59">
-            <a:extLst>
-              <a:ext uri="{FF2B5EF4-FFF2-40B4-BE49-F238E27FC236}">
-                <a16:creationId xmlns:a16="http://schemas.microsoft.com/office/drawing/2014/main" id="{F72676E8-C108-4C37-979F-A8D5B032CC7D}"/>
-              </a:ext>
-            </a:extLst>
-          </p:cNvPr>
-          <p:cNvPicPr>
-            <a:picLocks noChangeAspect="1"/>
-          </p:cNvPicPr>
-          <p:nvPr/>
-        </p:nvPicPr>
-        <p:blipFill>
-          <a:blip r:embed="rId12">
-            <a:alphaModFix/>
-          </a:blip>
-          <a:stretch>
-            <a:fillRect/>
-          </a:stretch>
-        </p:blipFill>
-        <p:spPr>
-          <a:xfrm>
-            <a:off x="25115560" y="31180749"/>
-            <a:ext cx="4021818" cy="2728251"/>
-          </a:xfrm>
-          <a:prstGeom prst="rect">
-            <a:avLst/>
-          </a:prstGeom>
-        </p:spPr>
-      </p:pic>
-      <p:sp>
-        <p:nvSpPr>
-          <p:cNvPr id="61" name="Title 1">
-            <a:extLst>
-              <a:ext uri="{FF2B5EF4-FFF2-40B4-BE49-F238E27FC236}">
-                <a16:creationId xmlns:a16="http://schemas.microsoft.com/office/drawing/2014/main" id="{1CA64717-E4B1-4557-A56B-367239CDEDE0}"/>
-              </a:ext>
-            </a:extLst>
-          </p:cNvPr>
-          <p:cNvSpPr txBox="1">
-            <a:spLocks/>
-          </p:cNvSpPr>
-          <p:nvPr/>
-        </p:nvSpPr>
-        <p:spPr>
-          <a:xfrm>
-            <a:off x="11990001" y="35224088"/>
-            <a:ext cx="6935238" cy="1656712"/>
-          </a:xfrm>
-          <a:prstGeom prst="rect">
-            <a:avLst/>
-          </a:prstGeom>
-        </p:spPr>
-        <p:txBody>
-          <a:bodyPr vert="horz" wrap="square" lIns="543410" tIns="271705" rIns="543410" bIns="271705" rtlCol="0" anchor="t" anchorCtr="0">
-            <a:spAutoFit/>
-          </a:bodyPr>
-          <a:lstStyle>
-            <a:lvl1pPr algn="ctr" defTabSz="5821955" rtl="0" eaLnBrk="1" latinLnBrk="0" hangingPunct="1">
-              <a:lnSpc>
-                <a:spcPct val="100000"/>
-              </a:lnSpc>
-              <a:spcBef>
-                <a:spcPct val="0"/>
-              </a:spcBef>
-              <a:buNone/>
-              <a:defRPr sz="3214" kern="1200">
-                <a:solidFill>
-                  <a:schemeClr val="tx1"/>
-                </a:solidFill>
-                <a:latin typeface="Arial Black" pitchFamily="34" charset="0"/>
-                <a:ea typeface="+mj-ea"/>
-                <a:cs typeface="+mj-cs"/>
-              </a:defRPr>
-            </a:lvl1pPr>
-          </a:lstStyle>
-          <a:p>
-            <a:pPr fontAlgn="auto">
-              <a:spcAft>
-                <a:spcPts val="0"/>
-              </a:spcAft>
-            </a:pPr>
-            <a:r>
-              <a:rPr lang="en-US" sz="3600" dirty="0"/>
-              <a:t>Topology and Congestion Awareness	</a:t>
-            </a:r>
-          </a:p>
-        </p:txBody>
-      </p:sp>
-      <p:sp>
-        <p:nvSpPr>
-          <p:cNvPr id="65" name="Content Placeholder 11">
-            <a:extLst>
-              <a:ext uri="{FF2B5EF4-FFF2-40B4-BE49-F238E27FC236}">
-                <a16:creationId xmlns:a16="http://schemas.microsoft.com/office/drawing/2014/main" id="{D3EC7D83-4070-4344-8723-65BCE96612A2}"/>
-              </a:ext>
-            </a:extLst>
-          </p:cNvPr>
-          <p:cNvSpPr txBox="1">
-            <a:spLocks/>
-          </p:cNvSpPr>
-          <p:nvPr/>
-        </p:nvSpPr>
-        <p:spPr>
-          <a:xfrm>
-            <a:off x="11083898" y="36779555"/>
-            <a:ext cx="8432298" cy="3373229"/>
-          </a:xfrm>
-          <a:prstGeom prst="rect">
-            <a:avLst/>
-          </a:prstGeom>
-        </p:spPr>
-        <p:txBody>
-          <a:bodyPr/>
-          <a:lstStyle>
-            <a:lvl1pPr marL="190490" indent="-190490" algn="l" defTabSz="5821955" rtl="0" eaLnBrk="1" latinLnBrk="0" hangingPunct="1">
-              <a:lnSpc>
-                <a:spcPct val="100000"/>
-              </a:lnSpc>
-              <a:spcBef>
-                <a:spcPts val="214"/>
-              </a:spcBef>
-              <a:buClrTx/>
-              <a:buFont typeface="Arial" pitchFamily="34" charset="0"/>
-              <a:buChar char="•"/>
-              <a:defRPr sz="2571" b="0" kern="1200">
-                <a:solidFill>
-                  <a:schemeClr val="tx1"/>
-                </a:solidFill>
-                <a:latin typeface="Arial" pitchFamily="34" charset="0"/>
-                <a:ea typeface="+mn-ea"/>
-                <a:cs typeface="Arial" pitchFamily="34" charset="0"/>
-              </a:defRPr>
-            </a:lvl1pPr>
-            <a:lvl2pPr marL="365674" indent="-175184" algn="l" defTabSz="5821955" rtl="0" eaLnBrk="1" latinLnBrk="0" hangingPunct="1">
-              <a:lnSpc>
-                <a:spcPct val="100000"/>
-              </a:lnSpc>
-              <a:spcBef>
-                <a:spcPts val="214"/>
-              </a:spcBef>
-              <a:buClrTx/>
-              <a:buFont typeface="Arial" pitchFamily="34" charset="0"/>
-              <a:buChar char="–"/>
-              <a:defRPr sz="2143" b="0" kern="1200">
-                <a:solidFill>
-                  <a:schemeClr val="tx1"/>
-                </a:solidFill>
-                <a:latin typeface="Arial" pitchFamily="34" charset="0"/>
-                <a:ea typeface="+mn-ea"/>
-                <a:cs typeface="Arial" pitchFamily="34" charset="0"/>
-              </a:defRPr>
-            </a:lvl2pPr>
-            <a:lvl3pPr marL="556165" indent="-190490" algn="l" defTabSz="5821955" rtl="0" eaLnBrk="1" latinLnBrk="0" hangingPunct="1">
-              <a:lnSpc>
-                <a:spcPct val="100000"/>
-              </a:lnSpc>
-              <a:spcBef>
-                <a:spcPts val="214"/>
-              </a:spcBef>
-              <a:buClrTx/>
-              <a:buFont typeface="Arial" pitchFamily="34" charset="0"/>
-              <a:buChar char="•"/>
-              <a:defRPr sz="1929" b="0" kern="1200">
-                <a:solidFill>
-                  <a:schemeClr val="tx1"/>
-                </a:solidFill>
-                <a:latin typeface="Arial" pitchFamily="34" charset="0"/>
-                <a:ea typeface="+mn-ea"/>
-                <a:cs typeface="Arial" pitchFamily="34" charset="0"/>
-              </a:defRPr>
-            </a:lvl3pPr>
-            <a:lvl4pPr marL="671820" indent="-175184" algn="l" defTabSz="5821955" rtl="0" eaLnBrk="1" latinLnBrk="0" hangingPunct="1">
-              <a:lnSpc>
-                <a:spcPct val="100000"/>
-              </a:lnSpc>
-              <a:spcBef>
-                <a:spcPts val="214"/>
-              </a:spcBef>
-              <a:buClrTx/>
-              <a:buFont typeface="Arial" pitchFamily="34" charset="0"/>
-              <a:buChar char="–"/>
-              <a:defRPr sz="1929" b="0" kern="1200">
-                <a:solidFill>
-                  <a:schemeClr val="tx1"/>
-                </a:solidFill>
-                <a:latin typeface="Arial" pitchFamily="34" charset="0"/>
-                <a:ea typeface="+mn-ea"/>
-                <a:cs typeface="Arial" pitchFamily="34" charset="0"/>
-              </a:defRPr>
-            </a:lvl4pPr>
-            <a:lvl5pPr marL="862310" indent="-190490" algn="l" defTabSz="5821955" rtl="0" eaLnBrk="1" latinLnBrk="0" hangingPunct="1">
-              <a:lnSpc>
-                <a:spcPct val="100000"/>
-              </a:lnSpc>
-              <a:spcBef>
-                <a:spcPts val="214"/>
-              </a:spcBef>
-              <a:buClrTx/>
-              <a:buFont typeface="Arial" pitchFamily="34" charset="0"/>
-              <a:buChar char="»"/>
-              <a:defRPr sz="1929" b="0" kern="1200">
-                <a:solidFill>
-                  <a:schemeClr val="tx1"/>
-                </a:solidFill>
-                <a:latin typeface="Arial" pitchFamily="34" charset="0"/>
-                <a:ea typeface="+mn-ea"/>
-                <a:cs typeface="Arial" pitchFamily="34" charset="0"/>
-              </a:defRPr>
-            </a:lvl5pPr>
-            <a:lvl6pPr marL="16010376" indent="-1455489" algn="l" defTabSz="5821955" rtl="0" eaLnBrk="1" latinLnBrk="0" hangingPunct="1">
-              <a:spcBef>
-                <a:spcPct val="20000"/>
-              </a:spcBef>
-              <a:buFont typeface="Arial" pitchFamily="34" charset="0"/>
-              <a:buChar char="•"/>
-              <a:defRPr sz="12749" kern="1200">
-                <a:solidFill>
-                  <a:schemeClr val="tx1"/>
-                </a:solidFill>
-                <a:latin typeface="+mn-lt"/>
-                <a:ea typeface="+mn-ea"/>
-                <a:cs typeface="+mn-cs"/>
-              </a:defRPr>
-            </a:lvl6pPr>
-            <a:lvl7pPr marL="18921354" indent="-1455489" algn="l" defTabSz="5821955" rtl="0" eaLnBrk="1" latinLnBrk="0" hangingPunct="1">
-              <a:spcBef>
-                <a:spcPct val="20000"/>
-              </a:spcBef>
-              <a:buFont typeface="Arial" pitchFamily="34" charset="0"/>
-              <a:buChar char="•"/>
-              <a:defRPr sz="12749" kern="1200">
-                <a:solidFill>
-                  <a:schemeClr val="tx1"/>
-                </a:solidFill>
-                <a:latin typeface="+mn-lt"/>
-                <a:ea typeface="+mn-ea"/>
-                <a:cs typeface="+mn-cs"/>
-              </a:defRPr>
-            </a:lvl7pPr>
-            <a:lvl8pPr marL="21832331" indent="-1455489" algn="l" defTabSz="5821955" rtl="0" eaLnBrk="1" latinLnBrk="0" hangingPunct="1">
-              <a:spcBef>
-                <a:spcPct val="20000"/>
-              </a:spcBef>
-              <a:buFont typeface="Arial" pitchFamily="34" charset="0"/>
-              <a:buChar char="•"/>
-              <a:defRPr sz="12749" kern="1200">
-                <a:solidFill>
-                  <a:schemeClr val="tx1"/>
-                </a:solidFill>
-                <a:latin typeface="+mn-lt"/>
-                <a:ea typeface="+mn-ea"/>
-                <a:cs typeface="+mn-cs"/>
-              </a:defRPr>
-            </a:lvl8pPr>
-            <a:lvl9pPr marL="24743309" indent="-1455489" algn="l" defTabSz="5821955" rtl="0" eaLnBrk="1" latinLnBrk="0" hangingPunct="1">
-              <a:spcBef>
-                <a:spcPct val="20000"/>
-              </a:spcBef>
-              <a:buFont typeface="Arial" pitchFamily="34" charset="0"/>
-              <a:buChar char="•"/>
-              <a:defRPr sz="12749" kern="1200">
-                <a:solidFill>
-                  <a:schemeClr val="tx1"/>
-                </a:solidFill>
-                <a:latin typeface="+mn-lt"/>
-                <a:ea typeface="+mn-ea"/>
-                <a:cs typeface="+mn-cs"/>
-              </a:defRPr>
-            </a:lvl9pPr>
-          </a:lstStyle>
-          <a:p>
-            <a:pPr fontAlgn="auto">
-              <a:spcAft>
-                <a:spcPts val="0"/>
-              </a:spcAft>
-            </a:pPr>
-            <a:r>
-              <a:rPr lang="en-US" sz="2400" dirty="0"/>
-              <a:t>Developing module to gather the communication weights between processes</a:t>
-            </a:r>
-          </a:p>
-          <a:p>
-            <a:pPr lvl="1" fontAlgn="auto">
-              <a:spcBef>
-                <a:spcPts val="200"/>
-              </a:spcBef>
-              <a:spcAft>
-                <a:spcPts val="0"/>
-              </a:spcAft>
-            </a:pPr>
-            <a:r>
-              <a:rPr lang="en-US" sz="2000" dirty="0"/>
-              <a:t>Capability to distinguish between pt2pt collective file IO or RMA) </a:t>
-            </a:r>
-          </a:p>
-          <a:p>
-            <a:pPr fontAlgn="auto">
-              <a:spcAft>
-                <a:spcPts val="0"/>
-              </a:spcAft>
-            </a:pPr>
-            <a:r>
-              <a:rPr lang="en-US" sz="2400" dirty="0"/>
-              <a:t>Developing module to reorder processes based on weights</a:t>
-            </a:r>
-          </a:p>
-          <a:p>
-            <a:pPr fontAlgn="auto">
-              <a:spcAft>
-                <a:spcPts val="0"/>
-              </a:spcAft>
-            </a:pPr>
-            <a:r>
-              <a:rPr lang="en-US" sz="2400" dirty="0"/>
-              <a:t>Initial implementation available in Open MPI GitHub master</a:t>
-            </a:r>
-          </a:p>
-        </p:txBody>
-      </p:sp>
-      <p:sp>
-        <p:nvSpPr>
-          <p:cNvPr id="71" name="TextBox 70">
-            <a:extLst>
-              <a:ext uri="{FF2B5EF4-FFF2-40B4-BE49-F238E27FC236}">
-                <a16:creationId xmlns:a16="http://schemas.microsoft.com/office/drawing/2014/main" id="{14BAFCC9-89AE-4A05-B324-1B512AF39CC8}"/>
-              </a:ext>
-            </a:extLst>
-          </p:cNvPr>
-          <p:cNvSpPr txBox="1"/>
-          <p:nvPr/>
-        </p:nvSpPr>
-        <p:spPr>
-          <a:xfrm>
-            <a:off x="7350356" y="34353060"/>
-            <a:ext cx="3761607" cy="424732"/>
-          </a:xfrm>
-          <a:prstGeom prst="rect">
-            <a:avLst/>
-          </a:prstGeom>
-          <a:noFill/>
-        </p:spPr>
-        <p:txBody>
-          <a:bodyPr wrap="none" rtlCol="0">
-            <a:spAutoFit/>
-          </a:bodyPr>
-          <a:lstStyle/>
-          <a:p>
-            <a:pPr algn="ctr">
-              <a:lnSpc>
-                <a:spcPct val="90000"/>
-              </a:lnSpc>
-            </a:pPr>
-            <a:r>
-              <a:rPr lang="en-US" sz="2400" dirty="0">
-                <a:solidFill>
-                  <a:schemeClr val="tx2"/>
-                </a:solidFill>
-              </a:rPr>
-              <a:t>Connections: </a:t>
-            </a:r>
-            <a:r>
-              <a:rPr lang="en-US" sz="2400" dirty="0" err="1">
-                <a:solidFill>
-                  <a:schemeClr val="tx2"/>
-                </a:solidFill>
-              </a:rPr>
-              <a:t>PMIx</a:t>
-            </a:r>
-            <a:r>
-              <a:rPr lang="en-US" sz="2400" dirty="0">
-                <a:solidFill>
-                  <a:schemeClr val="tx2"/>
-                </a:solidFill>
-              </a:rPr>
-              <a:t>, </a:t>
-            </a:r>
-            <a:r>
-              <a:rPr lang="en-US" sz="2400" dirty="0" err="1">
-                <a:solidFill>
-                  <a:schemeClr val="tx2"/>
-                </a:solidFill>
-              </a:rPr>
-              <a:t>VeloC</a:t>
-            </a:r>
-            <a:endParaRPr lang="en-US" sz="2400" dirty="0">
-              <a:solidFill>
-                <a:schemeClr val="tx2"/>
-              </a:solidFill>
-            </a:endParaRPr>
-          </a:p>
-        </p:txBody>
-      </p:sp>
-      <p:sp>
-        <p:nvSpPr>
-          <p:cNvPr id="77" name="TextBox 76">
-            <a:extLst>
-              <a:ext uri="{FF2B5EF4-FFF2-40B4-BE49-F238E27FC236}">
-                <a16:creationId xmlns:a16="http://schemas.microsoft.com/office/drawing/2014/main" id="{81D4A748-ADB3-4558-83E9-97EDDD622AD5}"/>
-              </a:ext>
-            </a:extLst>
-          </p:cNvPr>
-          <p:cNvSpPr txBox="1"/>
-          <p:nvPr/>
-        </p:nvSpPr>
-        <p:spPr>
-          <a:xfrm>
-            <a:off x="4777223" y="39657638"/>
-            <a:ext cx="2768707" cy="424732"/>
-          </a:xfrm>
-          <a:prstGeom prst="rect">
-            <a:avLst/>
-          </a:prstGeom>
-          <a:noFill/>
-        </p:spPr>
-        <p:txBody>
-          <a:bodyPr wrap="none" rtlCol="0">
-            <a:spAutoFit/>
-          </a:bodyPr>
-          <a:lstStyle/>
-          <a:p>
-            <a:pPr algn="ctr">
-              <a:lnSpc>
-                <a:spcPct val="90000"/>
-              </a:lnSpc>
-            </a:pPr>
-            <a:r>
-              <a:rPr lang="en-US" sz="2400" dirty="0">
-                <a:solidFill>
-                  <a:schemeClr val="tx2"/>
-                </a:solidFill>
-              </a:rPr>
-              <a:t>Connections: </a:t>
-            </a:r>
-            <a:r>
-              <a:rPr lang="en-US" sz="2400" dirty="0" err="1">
-                <a:solidFill>
-                  <a:schemeClr val="tx2"/>
-                </a:solidFill>
-              </a:rPr>
-              <a:t>PMIx</a:t>
-            </a:r>
-            <a:endParaRPr lang="en-US" sz="2400" dirty="0">
-              <a:solidFill>
-                <a:schemeClr val="tx2"/>
-              </a:solidFill>
-            </a:endParaRPr>
-          </a:p>
-        </p:txBody>
-      </p:sp>
-      <p:sp>
-        <p:nvSpPr>
-          <p:cNvPr id="84" name="Title 1">
-            <a:extLst>
-              <a:ext uri="{FF2B5EF4-FFF2-40B4-BE49-F238E27FC236}">
-                <a16:creationId xmlns:a16="http://schemas.microsoft.com/office/drawing/2014/main" id="{E4EA32D7-2B5D-4A94-A089-CE008018DF94}"/>
-              </a:ext>
-            </a:extLst>
-          </p:cNvPr>
-          <p:cNvSpPr txBox="1">
-            <a:spLocks/>
-          </p:cNvSpPr>
-          <p:nvPr/>
-        </p:nvSpPr>
-        <p:spPr>
-          <a:xfrm>
-            <a:off x="20327356" y="35224088"/>
-            <a:ext cx="8860536" cy="1656712"/>
-          </a:xfrm>
-          <a:prstGeom prst="rect">
-            <a:avLst/>
-          </a:prstGeom>
-        </p:spPr>
-        <p:txBody>
-          <a:bodyPr vert="horz" wrap="square" lIns="543410" tIns="271705" rIns="543410" bIns="271705" rtlCol="0" anchor="t" anchorCtr="0">
-            <a:spAutoFit/>
-          </a:bodyPr>
-          <a:lstStyle>
-            <a:lvl1pPr algn="ctr" defTabSz="5821955" rtl="0" eaLnBrk="1" latinLnBrk="0" hangingPunct="1">
-              <a:lnSpc>
-                <a:spcPct val="100000"/>
-              </a:lnSpc>
-              <a:spcBef>
-                <a:spcPct val="0"/>
-              </a:spcBef>
-              <a:buNone/>
-              <a:defRPr sz="3214" kern="1200">
-                <a:solidFill>
-                  <a:schemeClr val="tx1"/>
-                </a:solidFill>
-                <a:latin typeface="Arial Black" pitchFamily="34" charset="0"/>
-                <a:ea typeface="+mj-ea"/>
-                <a:cs typeface="+mj-cs"/>
-              </a:defRPr>
-            </a:lvl1pPr>
-          </a:lstStyle>
-          <a:p>
-            <a:pPr fontAlgn="auto">
-              <a:spcAft>
-                <a:spcPts val="0"/>
-              </a:spcAft>
-            </a:pPr>
-            <a:r>
-              <a:rPr lang="en-US" sz="3600" dirty="0"/>
-              <a:t>Continuous Integration/Nightly Testing</a:t>
-            </a:r>
-          </a:p>
-        </p:txBody>
-      </p:sp>
-      <p:sp>
-        <p:nvSpPr>
-          <p:cNvPr id="88" name="Content Placeholder 5">
-            <a:extLst>
-              <a:ext uri="{FF2B5EF4-FFF2-40B4-BE49-F238E27FC236}">
-                <a16:creationId xmlns:a16="http://schemas.microsoft.com/office/drawing/2014/main" id="{377ED03F-35F4-4D4E-AE42-A2A7D31B3E39}"/>
-              </a:ext>
-            </a:extLst>
-          </p:cNvPr>
-          <p:cNvSpPr txBox="1">
-            <a:spLocks/>
-          </p:cNvSpPr>
-          <p:nvPr/>
-        </p:nvSpPr>
-        <p:spPr>
-          <a:xfrm>
-            <a:off x="19929592" y="36631771"/>
-            <a:ext cx="9656064" cy="3373229"/>
-          </a:xfrm>
-          <a:prstGeom prst="rect">
-            <a:avLst/>
-          </a:prstGeom>
-        </p:spPr>
-        <p:txBody>
-          <a:bodyPr/>
-          <a:lstStyle>
-            <a:lvl1pPr marL="190490" indent="-190490" algn="l" defTabSz="5821955" rtl="0" eaLnBrk="1" latinLnBrk="0" hangingPunct="1">
-              <a:lnSpc>
-                <a:spcPct val="100000"/>
-              </a:lnSpc>
-              <a:spcBef>
-                <a:spcPts val="214"/>
-              </a:spcBef>
-              <a:buClrTx/>
-              <a:buFont typeface="Arial" pitchFamily="34" charset="0"/>
-              <a:buChar char="•"/>
-              <a:defRPr sz="2571" b="0" kern="1200">
-                <a:solidFill>
-                  <a:schemeClr val="tx1"/>
-                </a:solidFill>
-                <a:latin typeface="Arial" pitchFamily="34" charset="0"/>
-                <a:ea typeface="+mn-ea"/>
-                <a:cs typeface="Arial" pitchFamily="34" charset="0"/>
-              </a:defRPr>
-            </a:lvl1pPr>
-            <a:lvl2pPr marL="365674" indent="-175184" algn="l" defTabSz="5821955" rtl="0" eaLnBrk="1" latinLnBrk="0" hangingPunct="1">
-              <a:lnSpc>
-                <a:spcPct val="100000"/>
-              </a:lnSpc>
-              <a:spcBef>
-                <a:spcPts val="214"/>
-              </a:spcBef>
-              <a:buClrTx/>
-              <a:buFont typeface="Arial" pitchFamily="34" charset="0"/>
-              <a:buChar char="–"/>
-              <a:defRPr sz="2143" b="0" kern="1200">
-                <a:solidFill>
-                  <a:schemeClr val="tx1"/>
-                </a:solidFill>
-                <a:latin typeface="Arial" pitchFamily="34" charset="0"/>
-                <a:ea typeface="+mn-ea"/>
-                <a:cs typeface="Arial" pitchFamily="34" charset="0"/>
-              </a:defRPr>
-            </a:lvl2pPr>
-            <a:lvl3pPr marL="556165" indent="-190490" algn="l" defTabSz="5821955" rtl="0" eaLnBrk="1" latinLnBrk="0" hangingPunct="1">
-              <a:lnSpc>
-                <a:spcPct val="100000"/>
-              </a:lnSpc>
-              <a:spcBef>
-                <a:spcPts val="214"/>
-              </a:spcBef>
-              <a:buClrTx/>
-              <a:buFont typeface="Arial" pitchFamily="34" charset="0"/>
-              <a:buChar char="•"/>
-              <a:defRPr sz="1929" b="0" kern="1200">
-                <a:solidFill>
-                  <a:schemeClr val="tx1"/>
-                </a:solidFill>
-                <a:latin typeface="Arial" pitchFamily="34" charset="0"/>
-                <a:ea typeface="+mn-ea"/>
-                <a:cs typeface="Arial" pitchFamily="34" charset="0"/>
-              </a:defRPr>
-            </a:lvl3pPr>
-            <a:lvl4pPr marL="671820" indent="-175184" algn="l" defTabSz="5821955" rtl="0" eaLnBrk="1" latinLnBrk="0" hangingPunct="1">
-              <a:lnSpc>
-                <a:spcPct val="100000"/>
-              </a:lnSpc>
-              <a:spcBef>
-                <a:spcPts val="214"/>
-              </a:spcBef>
-              <a:buClrTx/>
-              <a:buFont typeface="Arial" pitchFamily="34" charset="0"/>
-              <a:buChar char="–"/>
-              <a:defRPr sz="1929" b="0" kern="1200">
-                <a:solidFill>
-                  <a:schemeClr val="tx1"/>
-                </a:solidFill>
-                <a:latin typeface="Arial" pitchFamily="34" charset="0"/>
-                <a:ea typeface="+mn-ea"/>
-                <a:cs typeface="Arial" pitchFamily="34" charset="0"/>
-              </a:defRPr>
-            </a:lvl4pPr>
-            <a:lvl5pPr marL="862310" indent="-190490" algn="l" defTabSz="5821955" rtl="0" eaLnBrk="1" latinLnBrk="0" hangingPunct="1">
-              <a:lnSpc>
-                <a:spcPct val="100000"/>
-              </a:lnSpc>
-              <a:spcBef>
-                <a:spcPts val="214"/>
-              </a:spcBef>
-              <a:buClrTx/>
-              <a:buFont typeface="Arial" pitchFamily="34" charset="0"/>
-              <a:buChar char="»"/>
-              <a:defRPr sz="1929" b="0" kern="1200">
-                <a:solidFill>
-                  <a:schemeClr val="tx1"/>
-                </a:solidFill>
-                <a:latin typeface="Arial" pitchFamily="34" charset="0"/>
-                <a:ea typeface="+mn-ea"/>
-                <a:cs typeface="Arial" pitchFamily="34" charset="0"/>
-              </a:defRPr>
-            </a:lvl5pPr>
-            <a:lvl6pPr marL="16010376" indent="-1455489" algn="l" defTabSz="5821955" rtl="0" eaLnBrk="1" latinLnBrk="0" hangingPunct="1">
-              <a:spcBef>
-                <a:spcPct val="20000"/>
-              </a:spcBef>
-              <a:buFont typeface="Arial" pitchFamily="34" charset="0"/>
-              <a:buChar char="•"/>
-              <a:defRPr sz="12749" kern="1200">
-                <a:solidFill>
-                  <a:schemeClr val="tx1"/>
-                </a:solidFill>
-                <a:latin typeface="+mn-lt"/>
-                <a:ea typeface="+mn-ea"/>
-                <a:cs typeface="+mn-cs"/>
-              </a:defRPr>
-            </a:lvl6pPr>
-            <a:lvl7pPr marL="18921354" indent="-1455489" algn="l" defTabSz="5821955" rtl="0" eaLnBrk="1" latinLnBrk="0" hangingPunct="1">
-              <a:spcBef>
-                <a:spcPct val="20000"/>
-              </a:spcBef>
-              <a:buFont typeface="Arial" pitchFamily="34" charset="0"/>
-              <a:buChar char="•"/>
-              <a:defRPr sz="12749" kern="1200">
-                <a:solidFill>
-                  <a:schemeClr val="tx1"/>
-                </a:solidFill>
-                <a:latin typeface="+mn-lt"/>
-                <a:ea typeface="+mn-ea"/>
-                <a:cs typeface="+mn-cs"/>
-              </a:defRPr>
-            </a:lvl7pPr>
-            <a:lvl8pPr marL="21832331" indent="-1455489" algn="l" defTabSz="5821955" rtl="0" eaLnBrk="1" latinLnBrk="0" hangingPunct="1">
-              <a:spcBef>
-                <a:spcPct val="20000"/>
-              </a:spcBef>
-              <a:buFont typeface="Arial" pitchFamily="34" charset="0"/>
-              <a:buChar char="•"/>
-              <a:defRPr sz="12749" kern="1200">
-                <a:solidFill>
-                  <a:schemeClr val="tx1"/>
-                </a:solidFill>
-                <a:latin typeface="+mn-lt"/>
-                <a:ea typeface="+mn-ea"/>
-                <a:cs typeface="+mn-cs"/>
-              </a:defRPr>
-            </a:lvl8pPr>
-            <a:lvl9pPr marL="24743309" indent="-1455489" algn="l" defTabSz="5821955" rtl="0" eaLnBrk="1" latinLnBrk="0" hangingPunct="1">
-              <a:spcBef>
-                <a:spcPct val="20000"/>
-              </a:spcBef>
-              <a:buFont typeface="Arial" pitchFamily="34" charset="0"/>
-              <a:buChar char="•"/>
-              <a:defRPr sz="12749" kern="1200">
-                <a:solidFill>
-                  <a:schemeClr val="tx1"/>
-                </a:solidFill>
-                <a:latin typeface="+mn-lt"/>
-                <a:ea typeface="+mn-ea"/>
-                <a:cs typeface="+mn-cs"/>
-              </a:defRPr>
-            </a:lvl9pPr>
-          </a:lstStyle>
-          <a:p>
-            <a:pPr fontAlgn="auto">
-              <a:spcAft>
-                <a:spcPts val="0"/>
-              </a:spcAft>
-            </a:pPr>
-            <a:r>
-              <a:rPr lang="en-US" sz="2400" dirty="0"/>
-              <a:t>Resolved issues with next generation Nightly tester (MTT) reporting results to community database at AWS</a:t>
-            </a:r>
-          </a:p>
-          <a:p>
-            <a:pPr fontAlgn="auto">
-              <a:spcAft>
-                <a:spcPts val="0"/>
-              </a:spcAft>
-            </a:pPr>
-            <a:r>
-              <a:rPr lang="en-US" sz="2400" dirty="0"/>
-              <a:t>Added plugin to next generation MTT to test nightly </a:t>
-            </a:r>
-            <a:r>
-              <a:rPr lang="en-US" sz="2400" dirty="0" err="1"/>
-              <a:t>tarball</a:t>
-            </a:r>
-            <a:r>
-              <a:rPr lang="en-US" sz="2400" dirty="0"/>
-              <a:t> bills from </a:t>
-            </a:r>
-            <a:r>
-              <a:rPr lang="en-US" sz="2400" dirty="0">
-                <a:hlinkClick r:id="rId13"/>
-              </a:rPr>
-              <a:t>https://open-mpi.org/downloads</a:t>
-            </a:r>
-            <a:endParaRPr lang="en-US" sz="2400" dirty="0"/>
-          </a:p>
-          <a:p>
-            <a:pPr fontAlgn="auto">
-              <a:spcAft>
-                <a:spcPts val="0"/>
-              </a:spcAft>
-            </a:pPr>
-            <a:r>
-              <a:rPr lang="en-US" sz="2400" dirty="0"/>
-              <a:t>Deployed current MTT on ORNL summit-dev platform</a:t>
-            </a:r>
-          </a:p>
-          <a:p>
-            <a:pPr fontAlgn="auto">
-              <a:spcAft>
-                <a:spcPts val="0"/>
-              </a:spcAft>
-            </a:pPr>
-            <a:r>
-              <a:rPr lang="en-US" sz="2400" dirty="0"/>
-              <a:t>Participating in the ECP ST facilities WG evaluation of CI RFP responses</a:t>
-            </a:r>
-          </a:p>
-        </p:txBody>
-      </p:sp>
+        </p:grpSpPr>
+        <p:sp>
+          <p:nvSpPr>
+            <p:cNvPr id="84" name="Title 1">
+              <a:extLst>
+                <a:ext uri="{FF2B5EF4-FFF2-40B4-BE49-F238E27FC236}">
+                  <a16:creationId xmlns:a16="http://schemas.microsoft.com/office/drawing/2014/main" id="{E4EA32D7-2B5D-4A94-A089-CE008018DF94}"/>
+                </a:ext>
+              </a:extLst>
+            </p:cNvPr>
+            <p:cNvSpPr txBox="1">
+              <a:spLocks/>
+            </p:cNvSpPr>
+            <p:nvPr/>
+          </p:nvSpPr>
+          <p:spPr>
+            <a:xfrm>
+              <a:off x="20327356" y="35224088"/>
+              <a:ext cx="8860536" cy="1656712"/>
+            </a:xfrm>
+            <a:prstGeom prst="rect">
+              <a:avLst/>
+            </a:prstGeom>
+          </p:spPr>
+          <p:txBody>
+            <a:bodyPr vert="horz" wrap="square" lIns="543410" tIns="271705" rIns="543410" bIns="271705" rtlCol="0" anchor="t" anchorCtr="0">
+              <a:spAutoFit/>
+            </a:bodyPr>
+            <a:lstStyle>
+              <a:lvl1pPr algn="ctr" defTabSz="5821955" rtl="0" eaLnBrk="1" latinLnBrk="0" hangingPunct="1">
+                <a:lnSpc>
+                  <a:spcPct val="100000"/>
+                </a:lnSpc>
+                <a:spcBef>
+                  <a:spcPct val="0"/>
+                </a:spcBef>
+                <a:buNone/>
+                <a:defRPr sz="3214" kern="1200">
+                  <a:solidFill>
+                    <a:schemeClr val="tx1"/>
+                  </a:solidFill>
+                  <a:latin typeface="Arial Black" pitchFamily="34" charset="0"/>
+                  <a:ea typeface="+mj-ea"/>
+                  <a:cs typeface="+mj-cs"/>
+                </a:defRPr>
+              </a:lvl1pPr>
+            </a:lstStyle>
+            <a:p>
+              <a:pPr fontAlgn="auto">
+                <a:spcAft>
+                  <a:spcPts val="0"/>
+                </a:spcAft>
+              </a:pPr>
+              <a:r>
+                <a:rPr lang="en-US" sz="3600" dirty="0"/>
+                <a:t>Continuous Integration/Nightly Testing</a:t>
+              </a:r>
+            </a:p>
+          </p:txBody>
+        </p:sp>
+        <p:sp>
+          <p:nvSpPr>
+            <p:cNvPr id="88" name="Content Placeholder 5">
+              <a:extLst>
+                <a:ext uri="{FF2B5EF4-FFF2-40B4-BE49-F238E27FC236}">
+                  <a16:creationId xmlns:a16="http://schemas.microsoft.com/office/drawing/2014/main" id="{377ED03F-35F4-4D4E-AE42-A2A7D31B3E39}"/>
+                </a:ext>
+              </a:extLst>
+            </p:cNvPr>
+            <p:cNvSpPr txBox="1">
+              <a:spLocks/>
+            </p:cNvSpPr>
+            <p:nvPr/>
+          </p:nvSpPr>
+          <p:spPr>
+            <a:xfrm>
+              <a:off x="19929592" y="36631771"/>
+              <a:ext cx="9656064" cy="3373229"/>
+            </a:xfrm>
+            <a:prstGeom prst="rect">
+              <a:avLst/>
+            </a:prstGeom>
+          </p:spPr>
+          <p:txBody>
+            <a:bodyPr/>
+            <a:lstStyle>
+              <a:lvl1pPr marL="190490" indent="-190490" algn="l" defTabSz="5821955" rtl="0" eaLnBrk="1" latinLnBrk="0" hangingPunct="1">
+                <a:lnSpc>
+                  <a:spcPct val="100000"/>
+                </a:lnSpc>
+                <a:spcBef>
+                  <a:spcPts val="214"/>
+                </a:spcBef>
+                <a:buClrTx/>
+                <a:buFont typeface="Arial" pitchFamily="34" charset="0"/>
+                <a:buChar char="•"/>
+                <a:defRPr sz="2571" b="0" kern="1200">
+                  <a:solidFill>
+                    <a:schemeClr val="tx1"/>
+                  </a:solidFill>
+                  <a:latin typeface="Arial" pitchFamily="34" charset="0"/>
+                  <a:ea typeface="+mn-ea"/>
+                  <a:cs typeface="Arial" pitchFamily="34" charset="0"/>
+                </a:defRPr>
+              </a:lvl1pPr>
+              <a:lvl2pPr marL="365674" indent="-175184" algn="l" defTabSz="5821955" rtl="0" eaLnBrk="1" latinLnBrk="0" hangingPunct="1">
+                <a:lnSpc>
+                  <a:spcPct val="100000"/>
+                </a:lnSpc>
+                <a:spcBef>
+                  <a:spcPts val="214"/>
+                </a:spcBef>
+                <a:buClrTx/>
+                <a:buFont typeface="Arial" pitchFamily="34" charset="0"/>
+                <a:buChar char="–"/>
+                <a:defRPr sz="2143" b="0" kern="1200">
+                  <a:solidFill>
+                    <a:schemeClr val="tx1"/>
+                  </a:solidFill>
+                  <a:latin typeface="Arial" pitchFamily="34" charset="0"/>
+                  <a:ea typeface="+mn-ea"/>
+                  <a:cs typeface="Arial" pitchFamily="34" charset="0"/>
+                </a:defRPr>
+              </a:lvl2pPr>
+              <a:lvl3pPr marL="556165" indent="-190490" algn="l" defTabSz="5821955" rtl="0" eaLnBrk="1" latinLnBrk="0" hangingPunct="1">
+                <a:lnSpc>
+                  <a:spcPct val="100000"/>
+                </a:lnSpc>
+                <a:spcBef>
+                  <a:spcPts val="214"/>
+                </a:spcBef>
+                <a:buClrTx/>
+                <a:buFont typeface="Arial" pitchFamily="34" charset="0"/>
+                <a:buChar char="•"/>
+                <a:defRPr sz="1929" b="0" kern="1200">
+                  <a:solidFill>
+                    <a:schemeClr val="tx1"/>
+                  </a:solidFill>
+                  <a:latin typeface="Arial" pitchFamily="34" charset="0"/>
+                  <a:ea typeface="+mn-ea"/>
+                  <a:cs typeface="Arial" pitchFamily="34" charset="0"/>
+                </a:defRPr>
+              </a:lvl3pPr>
+              <a:lvl4pPr marL="671820" indent="-175184" algn="l" defTabSz="5821955" rtl="0" eaLnBrk="1" latinLnBrk="0" hangingPunct="1">
+                <a:lnSpc>
+                  <a:spcPct val="100000"/>
+                </a:lnSpc>
+                <a:spcBef>
+                  <a:spcPts val="214"/>
+                </a:spcBef>
+                <a:buClrTx/>
+                <a:buFont typeface="Arial" pitchFamily="34" charset="0"/>
+                <a:buChar char="–"/>
+                <a:defRPr sz="1929" b="0" kern="1200">
+                  <a:solidFill>
+                    <a:schemeClr val="tx1"/>
+                  </a:solidFill>
+                  <a:latin typeface="Arial" pitchFamily="34" charset="0"/>
+                  <a:ea typeface="+mn-ea"/>
+                  <a:cs typeface="Arial" pitchFamily="34" charset="0"/>
+                </a:defRPr>
+              </a:lvl4pPr>
+              <a:lvl5pPr marL="862310" indent="-190490" algn="l" defTabSz="5821955" rtl="0" eaLnBrk="1" latinLnBrk="0" hangingPunct="1">
+                <a:lnSpc>
+                  <a:spcPct val="100000"/>
+                </a:lnSpc>
+                <a:spcBef>
+                  <a:spcPts val="214"/>
+                </a:spcBef>
+                <a:buClrTx/>
+                <a:buFont typeface="Arial" pitchFamily="34" charset="0"/>
+                <a:buChar char="»"/>
+                <a:defRPr sz="1929" b="0" kern="1200">
+                  <a:solidFill>
+                    <a:schemeClr val="tx1"/>
+                  </a:solidFill>
+                  <a:latin typeface="Arial" pitchFamily="34" charset="0"/>
+                  <a:ea typeface="+mn-ea"/>
+                  <a:cs typeface="Arial" pitchFamily="34" charset="0"/>
+                </a:defRPr>
+              </a:lvl5pPr>
+              <a:lvl6pPr marL="16010376" indent="-1455489" algn="l" defTabSz="5821955" rtl="0" eaLnBrk="1" latinLnBrk="0" hangingPunct="1">
+                <a:spcBef>
+                  <a:spcPct val="20000"/>
+                </a:spcBef>
+                <a:buFont typeface="Arial" pitchFamily="34" charset="0"/>
+                <a:buChar char="•"/>
+                <a:defRPr sz="12749" kern="1200">
+                  <a:solidFill>
+                    <a:schemeClr val="tx1"/>
+                  </a:solidFill>
+                  <a:latin typeface="+mn-lt"/>
+                  <a:ea typeface="+mn-ea"/>
+                  <a:cs typeface="+mn-cs"/>
+                </a:defRPr>
+              </a:lvl6pPr>
+              <a:lvl7pPr marL="18921354" indent="-1455489" algn="l" defTabSz="5821955" rtl="0" eaLnBrk="1" latinLnBrk="0" hangingPunct="1">
+                <a:spcBef>
+                  <a:spcPct val="20000"/>
+                </a:spcBef>
+                <a:buFont typeface="Arial" pitchFamily="34" charset="0"/>
+                <a:buChar char="•"/>
+                <a:defRPr sz="12749" kern="1200">
+                  <a:solidFill>
+                    <a:schemeClr val="tx1"/>
+                  </a:solidFill>
+                  <a:latin typeface="+mn-lt"/>
+                  <a:ea typeface="+mn-ea"/>
+                  <a:cs typeface="+mn-cs"/>
+                </a:defRPr>
+              </a:lvl7pPr>
+              <a:lvl8pPr marL="21832331" indent="-1455489" algn="l" defTabSz="5821955" rtl="0" eaLnBrk="1" latinLnBrk="0" hangingPunct="1">
+                <a:spcBef>
+                  <a:spcPct val="20000"/>
+                </a:spcBef>
+                <a:buFont typeface="Arial" pitchFamily="34" charset="0"/>
+                <a:buChar char="•"/>
+                <a:defRPr sz="12749" kern="1200">
+                  <a:solidFill>
+                    <a:schemeClr val="tx1"/>
+                  </a:solidFill>
+                  <a:latin typeface="+mn-lt"/>
+                  <a:ea typeface="+mn-ea"/>
+                  <a:cs typeface="+mn-cs"/>
+                </a:defRPr>
+              </a:lvl8pPr>
+              <a:lvl9pPr marL="24743309" indent="-1455489" algn="l" defTabSz="5821955" rtl="0" eaLnBrk="1" latinLnBrk="0" hangingPunct="1">
+                <a:spcBef>
+                  <a:spcPct val="20000"/>
+                </a:spcBef>
+                <a:buFont typeface="Arial" pitchFamily="34" charset="0"/>
+                <a:buChar char="•"/>
+                <a:defRPr sz="12749" kern="1200">
+                  <a:solidFill>
+                    <a:schemeClr val="tx1"/>
+                  </a:solidFill>
+                  <a:latin typeface="+mn-lt"/>
+                  <a:ea typeface="+mn-ea"/>
+                  <a:cs typeface="+mn-cs"/>
+                </a:defRPr>
+              </a:lvl9pPr>
+            </a:lstStyle>
+            <a:p>
+              <a:pPr fontAlgn="auto">
+                <a:spcAft>
+                  <a:spcPts val="0"/>
+                </a:spcAft>
+              </a:pPr>
+              <a:r>
+                <a:rPr lang="en-US" sz="2400" dirty="0"/>
+                <a:t>Resolved issues with next generation Nightly tester (MTT) reporting results to community database at AWS</a:t>
+              </a:r>
+            </a:p>
+            <a:p>
+              <a:pPr fontAlgn="auto">
+                <a:spcAft>
+                  <a:spcPts val="0"/>
+                </a:spcAft>
+              </a:pPr>
+              <a:r>
+                <a:rPr lang="en-US" sz="2400" dirty="0"/>
+                <a:t>Added plugin to next generation MTT to test nightly </a:t>
+              </a:r>
+              <a:r>
+                <a:rPr lang="en-US" sz="2400" dirty="0" err="1"/>
+                <a:t>tarball</a:t>
+              </a:r>
+              <a:r>
+                <a:rPr lang="en-US" sz="2400" dirty="0"/>
+                <a:t> bills from </a:t>
+              </a:r>
+              <a:r>
+                <a:rPr lang="en-US" sz="2400" dirty="0">
+                  <a:hlinkClick r:id="rId13"/>
+                </a:rPr>
+                <a:t>https://open-mpi.org/downloads</a:t>
+              </a:r>
+              <a:endParaRPr lang="en-US" sz="2400" dirty="0"/>
+            </a:p>
+            <a:p>
+              <a:pPr fontAlgn="auto">
+                <a:spcAft>
+                  <a:spcPts val="0"/>
+                </a:spcAft>
+              </a:pPr>
+              <a:r>
+                <a:rPr lang="en-US" sz="2400" dirty="0"/>
+                <a:t>Deployed current MTT on ORNL summit-dev platform</a:t>
+              </a:r>
+            </a:p>
+            <a:p>
+              <a:pPr fontAlgn="auto">
+                <a:spcAft>
+                  <a:spcPts val="0"/>
+                </a:spcAft>
+              </a:pPr>
+              <a:r>
+                <a:rPr lang="en-US" sz="2400" dirty="0"/>
+                <a:t>Participating in the ECP ST facilities WG evaluation of CI RFP responses</a:t>
+              </a:r>
+            </a:p>
+          </p:txBody>
+        </p:sp>
+      </p:grpSp>
       <p:sp>
         <p:nvSpPr>
           <p:cNvPr id="89" name="TextBox 88">
@@ -5174,7 +4752,7 @@
         </p:nvSpPr>
         <p:spPr>
           <a:xfrm>
-            <a:off x="22039101" y="39237522"/>
+            <a:off x="20898763" y="39034325"/>
             <a:ext cx="5512664" cy="424732"/>
           </a:xfrm>
           <a:prstGeom prst="rect">
@@ -5200,470 +4778,6 @@
                 </a:solidFill>
               </a:rPr>
               <a:t>Connections: ECP CI Testing, Facilities</a:t>
-            </a:r>
-          </a:p>
-        </p:txBody>
-      </p:sp>
-      <p:sp>
-        <p:nvSpPr>
-          <p:cNvPr id="123" name="Title 1">
-            <a:extLst>
-              <a:ext uri="{FF2B5EF4-FFF2-40B4-BE49-F238E27FC236}">
-                <a16:creationId xmlns:a16="http://schemas.microsoft.com/office/drawing/2014/main" id="{B33CA08C-2D30-47B6-97B6-FF6D91472983}"/>
-              </a:ext>
-            </a:extLst>
-          </p:cNvPr>
-          <p:cNvSpPr txBox="1">
-            <a:spLocks/>
-          </p:cNvSpPr>
-          <p:nvPr/>
-        </p:nvSpPr>
-        <p:spPr>
-          <a:xfrm>
-            <a:off x="2924306" y="26414819"/>
-            <a:ext cx="13281760" cy="1102715"/>
-          </a:xfrm>
-          <a:prstGeom prst="rect">
-            <a:avLst/>
-          </a:prstGeom>
-        </p:spPr>
-        <p:txBody>
-          <a:bodyPr vert="horz" wrap="square" lIns="543410" tIns="271705" rIns="543410" bIns="271705" rtlCol="0" anchor="t" anchorCtr="0">
-            <a:spAutoFit/>
-          </a:bodyPr>
-          <a:lstStyle>
-            <a:lvl1pPr algn="ctr" defTabSz="5821955" rtl="0" eaLnBrk="1" latinLnBrk="0" hangingPunct="1">
-              <a:lnSpc>
-                <a:spcPct val="100000"/>
-              </a:lnSpc>
-              <a:spcBef>
-                <a:spcPct val="0"/>
-              </a:spcBef>
-              <a:buNone/>
-              <a:defRPr sz="3214" kern="1200">
-                <a:solidFill>
-                  <a:schemeClr val="tx1"/>
-                </a:solidFill>
-                <a:latin typeface="Arial Black" pitchFamily="34" charset="0"/>
-                <a:ea typeface="+mj-ea"/>
-                <a:cs typeface="+mj-cs"/>
-              </a:defRPr>
-            </a:lvl1pPr>
-          </a:lstStyle>
-          <a:p>
-            <a:pPr fontAlgn="auto">
-              <a:spcAft>
-                <a:spcPts val="0"/>
-              </a:spcAft>
-            </a:pPr>
-            <a:r>
-              <a:rPr lang="en-US" sz="3600" dirty="0"/>
-              <a:t>User-Level Fault Mitigation (ULFM) in Open MPI</a:t>
-            </a:r>
-          </a:p>
-        </p:txBody>
-      </p:sp>
-      <p:sp>
-        <p:nvSpPr>
-          <p:cNvPr id="124" name="Content Placeholder 11">
-            <a:extLst>
-              <a:ext uri="{FF2B5EF4-FFF2-40B4-BE49-F238E27FC236}">
-                <a16:creationId xmlns:a16="http://schemas.microsoft.com/office/drawing/2014/main" id="{E288E36C-F323-4E6A-BCFF-F437EAD9391C}"/>
-              </a:ext>
-            </a:extLst>
-          </p:cNvPr>
-          <p:cNvSpPr txBox="1">
-            <a:spLocks/>
-          </p:cNvSpPr>
-          <p:nvPr/>
-        </p:nvSpPr>
-        <p:spPr>
-          <a:xfrm>
-            <a:off x="1040088" y="27354972"/>
-            <a:ext cx="9958949" cy="6190500"/>
-          </a:xfrm>
-          <a:prstGeom prst="rect">
-            <a:avLst/>
-          </a:prstGeom>
-        </p:spPr>
-        <p:txBody>
-          <a:bodyPr/>
-          <a:lstStyle>
-            <a:lvl1pPr marL="190490" indent="-190490" algn="l" defTabSz="5821955" rtl="0" eaLnBrk="1" latinLnBrk="0" hangingPunct="1">
-              <a:lnSpc>
-                <a:spcPct val="100000"/>
-              </a:lnSpc>
-              <a:spcBef>
-                <a:spcPts val="214"/>
-              </a:spcBef>
-              <a:buClrTx/>
-              <a:buFont typeface="Arial" pitchFamily="34" charset="0"/>
-              <a:buChar char="•"/>
-              <a:defRPr sz="2571" b="0" kern="1200">
-                <a:solidFill>
-                  <a:schemeClr val="tx1"/>
-                </a:solidFill>
-                <a:latin typeface="Arial" pitchFamily="34" charset="0"/>
-                <a:ea typeface="+mn-ea"/>
-                <a:cs typeface="Arial" pitchFamily="34" charset="0"/>
-              </a:defRPr>
-            </a:lvl1pPr>
-            <a:lvl2pPr marL="365674" indent="-175184" algn="l" defTabSz="5821955" rtl="0" eaLnBrk="1" latinLnBrk="0" hangingPunct="1">
-              <a:lnSpc>
-                <a:spcPct val="100000"/>
-              </a:lnSpc>
-              <a:spcBef>
-                <a:spcPts val="214"/>
-              </a:spcBef>
-              <a:buClrTx/>
-              <a:buFont typeface="Arial" pitchFamily="34" charset="0"/>
-              <a:buChar char="–"/>
-              <a:defRPr sz="2143" b="0" kern="1200">
-                <a:solidFill>
-                  <a:schemeClr val="tx1"/>
-                </a:solidFill>
-                <a:latin typeface="Arial" pitchFamily="34" charset="0"/>
-                <a:ea typeface="+mn-ea"/>
-                <a:cs typeface="Arial" pitchFamily="34" charset="0"/>
-              </a:defRPr>
-            </a:lvl2pPr>
-            <a:lvl3pPr marL="556165" indent="-190490" algn="l" defTabSz="5821955" rtl="0" eaLnBrk="1" latinLnBrk="0" hangingPunct="1">
-              <a:lnSpc>
-                <a:spcPct val="100000"/>
-              </a:lnSpc>
-              <a:spcBef>
-                <a:spcPts val="214"/>
-              </a:spcBef>
-              <a:buClrTx/>
-              <a:buFont typeface="Arial" pitchFamily="34" charset="0"/>
-              <a:buChar char="•"/>
-              <a:defRPr sz="1929" b="0" kern="1200">
-                <a:solidFill>
-                  <a:schemeClr val="tx1"/>
-                </a:solidFill>
-                <a:latin typeface="Arial" pitchFamily="34" charset="0"/>
-                <a:ea typeface="+mn-ea"/>
-                <a:cs typeface="Arial" pitchFamily="34" charset="0"/>
-              </a:defRPr>
-            </a:lvl3pPr>
-            <a:lvl4pPr marL="671820" indent="-175184" algn="l" defTabSz="5821955" rtl="0" eaLnBrk="1" latinLnBrk="0" hangingPunct="1">
-              <a:lnSpc>
-                <a:spcPct val="100000"/>
-              </a:lnSpc>
-              <a:spcBef>
-                <a:spcPts val="214"/>
-              </a:spcBef>
-              <a:buClrTx/>
-              <a:buFont typeface="Arial" pitchFamily="34" charset="0"/>
-              <a:buChar char="–"/>
-              <a:defRPr sz="1929" b="0" kern="1200">
-                <a:solidFill>
-                  <a:schemeClr val="tx1"/>
-                </a:solidFill>
-                <a:latin typeface="Arial" pitchFamily="34" charset="0"/>
-                <a:ea typeface="+mn-ea"/>
-                <a:cs typeface="Arial" pitchFamily="34" charset="0"/>
-              </a:defRPr>
-            </a:lvl4pPr>
-            <a:lvl5pPr marL="862310" indent="-190490" algn="l" defTabSz="5821955" rtl="0" eaLnBrk="1" latinLnBrk="0" hangingPunct="1">
-              <a:lnSpc>
-                <a:spcPct val="100000"/>
-              </a:lnSpc>
-              <a:spcBef>
-                <a:spcPts val="214"/>
-              </a:spcBef>
-              <a:buClrTx/>
-              <a:buFont typeface="Arial" pitchFamily="34" charset="0"/>
-              <a:buChar char="»"/>
-              <a:defRPr sz="1929" b="0" kern="1200">
-                <a:solidFill>
-                  <a:schemeClr val="tx1"/>
-                </a:solidFill>
-                <a:latin typeface="Arial" pitchFamily="34" charset="0"/>
-                <a:ea typeface="+mn-ea"/>
-                <a:cs typeface="Arial" pitchFamily="34" charset="0"/>
-              </a:defRPr>
-            </a:lvl5pPr>
-            <a:lvl6pPr marL="16010376" indent="-1455489" algn="l" defTabSz="5821955" rtl="0" eaLnBrk="1" latinLnBrk="0" hangingPunct="1">
-              <a:spcBef>
-                <a:spcPct val="20000"/>
-              </a:spcBef>
-              <a:buFont typeface="Arial" pitchFamily="34" charset="0"/>
-              <a:buChar char="•"/>
-              <a:defRPr sz="12749" kern="1200">
-                <a:solidFill>
-                  <a:schemeClr val="tx1"/>
-                </a:solidFill>
-                <a:latin typeface="+mn-lt"/>
-                <a:ea typeface="+mn-ea"/>
-                <a:cs typeface="+mn-cs"/>
-              </a:defRPr>
-            </a:lvl6pPr>
-            <a:lvl7pPr marL="18921354" indent="-1455489" algn="l" defTabSz="5821955" rtl="0" eaLnBrk="1" latinLnBrk="0" hangingPunct="1">
-              <a:spcBef>
-                <a:spcPct val="20000"/>
-              </a:spcBef>
-              <a:buFont typeface="Arial" pitchFamily="34" charset="0"/>
-              <a:buChar char="•"/>
-              <a:defRPr sz="12749" kern="1200">
-                <a:solidFill>
-                  <a:schemeClr val="tx1"/>
-                </a:solidFill>
-                <a:latin typeface="+mn-lt"/>
-                <a:ea typeface="+mn-ea"/>
-                <a:cs typeface="+mn-cs"/>
-              </a:defRPr>
-            </a:lvl7pPr>
-            <a:lvl8pPr marL="21832331" indent="-1455489" algn="l" defTabSz="5821955" rtl="0" eaLnBrk="1" latinLnBrk="0" hangingPunct="1">
-              <a:spcBef>
-                <a:spcPct val="20000"/>
-              </a:spcBef>
-              <a:buFont typeface="Arial" pitchFamily="34" charset="0"/>
-              <a:buChar char="•"/>
-              <a:defRPr sz="12749" kern="1200">
-                <a:solidFill>
-                  <a:schemeClr val="tx1"/>
-                </a:solidFill>
-                <a:latin typeface="+mn-lt"/>
-                <a:ea typeface="+mn-ea"/>
-                <a:cs typeface="+mn-cs"/>
-              </a:defRPr>
-            </a:lvl8pPr>
-            <a:lvl9pPr marL="24743309" indent="-1455489" algn="l" defTabSz="5821955" rtl="0" eaLnBrk="1" latinLnBrk="0" hangingPunct="1">
-              <a:spcBef>
-                <a:spcPct val="20000"/>
-              </a:spcBef>
-              <a:buFont typeface="Arial" pitchFamily="34" charset="0"/>
-              <a:buChar char="•"/>
-              <a:defRPr sz="12749" kern="1200">
-                <a:solidFill>
-                  <a:schemeClr val="tx1"/>
-                </a:solidFill>
-                <a:latin typeface="+mn-lt"/>
-                <a:ea typeface="+mn-ea"/>
-                <a:cs typeface="+mn-cs"/>
-              </a:defRPr>
-            </a:lvl9pPr>
-          </a:lstStyle>
-          <a:p>
-            <a:pPr marL="189865" indent="-189865" fontAlgn="auto">
-              <a:spcAft>
-                <a:spcPts val="0"/>
-              </a:spcAft>
-            </a:pPr>
-            <a:r>
-              <a:rPr lang="en-US" sz="2400" dirty="0"/>
-              <a:t>Resilience in varied application types</a:t>
-            </a:r>
-            <a:endParaRPr lang="en-US" dirty="0"/>
-          </a:p>
-          <a:p>
-            <a:pPr marL="365125" lvl="1" indent="-174625" fontAlgn="auto">
-              <a:spcAft>
-                <a:spcPts val="0"/>
-              </a:spcAft>
-            </a:pPr>
-            <a:r>
-              <a:rPr lang="en-US" sz="1972" dirty="0"/>
-              <a:t>Malleable applications enjoy a </a:t>
-            </a:r>
-            <a:r>
-              <a:rPr lang="en-US" sz="1972" b="1" dirty="0"/>
-              <a:t>cheap, tailored recovery procedure</a:t>
-            </a:r>
-          </a:p>
-          <a:p>
-            <a:pPr marL="365125" lvl="1" indent="-174625" fontAlgn="auto">
-              <a:spcAft>
-                <a:spcPts val="0"/>
-              </a:spcAft>
-            </a:pPr>
-            <a:r>
-              <a:rPr lang="en-US" sz="1972" dirty="0"/>
-              <a:t>Non-malleable applications can </a:t>
-            </a:r>
-            <a:r>
-              <a:rPr lang="en-US" sz="1972" b="1" dirty="0"/>
-              <a:t>restore complete MPI </a:t>
-            </a:r>
-            <a:r>
-              <a:rPr lang="en-US" sz="1972" dirty="0"/>
-              <a:t>capabilities without redeployment</a:t>
-            </a:r>
-          </a:p>
-          <a:p>
-            <a:pPr marL="189865" indent="-189865" fontAlgn="auto">
-              <a:spcAft>
-                <a:spcPts val="0"/>
-              </a:spcAft>
-            </a:pPr>
-            <a:r>
-              <a:rPr lang="en-US" sz="2400" dirty="0"/>
-              <a:t>Integration of ULFM resilience shows no overhead on raw communication performance  on ECP hardware</a:t>
-            </a:r>
-          </a:p>
-          <a:p>
-            <a:pPr marL="365125" lvl="1" indent="-174625" fontAlgn="auto">
-              <a:spcAft>
-                <a:spcPts val="0"/>
-              </a:spcAft>
-            </a:pPr>
-            <a:r>
-              <a:rPr lang="en-US" sz="2000" b="1" dirty="0"/>
-              <a:t>Stable resilience; tested</a:t>
-            </a:r>
-            <a:r>
-              <a:rPr lang="en-US" sz="2000" dirty="0"/>
-              <a:t> deployments on ECP hardware with support for job schedulers and accelerated networks</a:t>
-            </a:r>
-          </a:p>
-          <a:p>
-            <a:pPr marL="365125" lvl="1" indent="-174625" fontAlgn="auto">
-              <a:spcAft>
-                <a:spcPts val="0"/>
-              </a:spcAft>
-            </a:pPr>
-            <a:r>
-              <a:rPr lang="en-US" sz="2000" dirty="0"/>
-              <a:t>Support for </a:t>
-            </a:r>
-            <a:r>
-              <a:rPr lang="en-US" sz="2000" b="1" dirty="0"/>
-              <a:t>resilience with threads, non-blocking collective operations, RMA operations</a:t>
-            </a:r>
-          </a:p>
-          <a:p>
-            <a:pPr marL="189865" indent="-189865" fontAlgn="auto">
-              <a:spcAft>
-                <a:spcPts val="0"/>
-              </a:spcAft>
-            </a:pPr>
-            <a:r>
-              <a:rPr lang="en-US" sz="2428" dirty="0"/>
-              <a:t>Recent Progress</a:t>
-            </a:r>
-          </a:p>
-          <a:p>
-            <a:pPr marL="365125" lvl="1" indent="-174625" fontAlgn="auto">
-              <a:spcAft>
-                <a:spcPts val="0"/>
-              </a:spcAft>
-            </a:pPr>
-            <a:r>
-              <a:rPr lang="en-US" sz="2000" b="1" dirty="0" err="1"/>
-              <a:t>PMIx</a:t>
-            </a:r>
-            <a:r>
-              <a:rPr lang="en-US" sz="2000" b="1" dirty="0"/>
-              <a:t>/SCON </a:t>
-            </a:r>
-            <a:r>
-              <a:rPr lang="en-US" sz="2000" dirty="0"/>
-              <a:t>failure </a:t>
-            </a:r>
-            <a:r>
-              <a:rPr lang="en-US" sz="2000" b="1" dirty="0"/>
-              <a:t>detection</a:t>
-            </a:r>
-            <a:r>
-              <a:rPr lang="en-US" sz="2000" dirty="0"/>
-              <a:t> and </a:t>
-            </a:r>
-            <a:r>
-              <a:rPr lang="en-US" sz="2000" b="1" dirty="0"/>
-              <a:t>reliable information propagation</a:t>
-            </a:r>
-            <a:r>
-              <a:rPr lang="en-US" sz="2000" dirty="0"/>
-              <a:t> </a:t>
-            </a:r>
-            <a:endParaRPr lang="en-US" sz="2000" b="1" dirty="0"/>
-          </a:p>
-          <a:p>
-            <a:pPr marL="365125" lvl="1" indent="-174625" fontAlgn="auto">
-              <a:spcAft>
-                <a:spcPts val="0"/>
-              </a:spcAft>
-            </a:pPr>
-            <a:r>
-              <a:rPr lang="en-US" sz="2000" b="1" dirty="0"/>
-              <a:t>Asynchronous recovery: ISHRINK </a:t>
-            </a:r>
-            <a:r>
-              <a:rPr lang="en-US" sz="2000" dirty="0"/>
-              <a:t>repairs a communicator asynchronously</a:t>
-            </a:r>
-          </a:p>
-          <a:p>
-            <a:pPr marL="365125" lvl="1" indent="-174625" fontAlgn="auto">
-              <a:spcAft>
-                <a:spcPts val="0"/>
-              </a:spcAft>
-            </a:pPr>
-            <a:r>
-              <a:rPr lang="en-US" sz="2000" b="1" dirty="0"/>
-              <a:t>Scoped error management: </a:t>
-            </a:r>
-            <a:r>
-              <a:rPr lang="en-US" sz="2000" dirty="0"/>
-              <a:t>user-controlled scope for error reporting: uniform reporting in collective operations; report for errors at any rank, etc.</a:t>
-            </a:r>
-            <a:endParaRPr lang="en-US" sz="2000" b="1" dirty="0"/>
-          </a:p>
-          <a:p>
-            <a:pPr marL="189865" indent="-189865" fontAlgn="auto">
-              <a:spcAft>
-                <a:spcPts val="0"/>
-              </a:spcAft>
-            </a:pPr>
-            <a:r>
-              <a:rPr lang="en-US" sz="2428" dirty="0"/>
-              <a:t>Impacts</a:t>
-            </a:r>
-          </a:p>
-          <a:p>
-            <a:pPr marL="365125" lvl="1" indent="-174625" fontAlgn="auto">
-              <a:spcAft>
-                <a:spcPts val="0"/>
-              </a:spcAft>
-            </a:pPr>
-            <a:r>
-              <a:rPr lang="en-US" sz="2000" b="1" dirty="0"/>
-              <a:t>Large application community</a:t>
-            </a:r>
-            <a:r>
-              <a:rPr lang="en-US" sz="2000" dirty="0"/>
-              <a:t> using Open MPI ULFM to explore resilience in HPC</a:t>
-            </a:r>
-          </a:p>
-          <a:p>
-            <a:pPr marL="365125" lvl="1" indent="-174625" fontAlgn="auto">
-              <a:spcAft>
-                <a:spcPts val="0"/>
-              </a:spcAft>
-            </a:pPr>
-            <a:r>
-              <a:rPr lang="en-US" sz="2000" b="1" dirty="0"/>
-              <a:t>Industry users </a:t>
-            </a:r>
-            <a:r>
-              <a:rPr lang="en-US" sz="2000" dirty="0"/>
-              <a:t>(databases, MapReduce) also use Open MPI ULFM to explore non-HPC workloads over MPI</a:t>
-            </a:r>
-          </a:p>
-          <a:p>
-            <a:pPr marL="365125" lvl="1" indent="-174625" fontAlgn="auto">
-              <a:spcAft>
-                <a:spcPts val="0"/>
-              </a:spcAft>
-            </a:pPr>
-            <a:r>
-              <a:rPr lang="en-US" sz="2000" b="1" dirty="0"/>
-              <a:t>User documentation and education </a:t>
-            </a:r>
-            <a:r>
-              <a:rPr lang="en-US" sz="2000" dirty="0"/>
-              <a:t>helps ECP applications move forward on resilience</a:t>
             </a:r>
           </a:p>
         </p:txBody>
@@ -5874,7 +4988,7 @@
         </p:nvGrpSpPr>
         <p:grpSpPr>
           <a:xfrm>
-            <a:off x="9982200" y="20327138"/>
+            <a:off x="9982200" y="20075504"/>
             <a:ext cx="5564735" cy="5196802"/>
             <a:chOff x="23674729" y="13108202"/>
             <a:chExt cx="5564735" cy="5196802"/>
@@ -5962,7 +5076,7 @@
         </p:nvSpPr>
         <p:spPr>
           <a:xfrm>
-            <a:off x="11273594" y="33699271"/>
+            <a:off x="11273594" y="33600037"/>
             <a:ext cx="6172200" cy="1200329"/>
           </a:xfrm>
           <a:prstGeom prst="rect">
@@ -5993,10 +5107,10 @@
       </p:sp>
       <p:grpSp>
         <p:nvGrpSpPr>
-          <p:cNvPr id="53" name="Group 52">
+          <p:cNvPr id="16" name="Group 15">
             <a:extLst>
               <a:ext uri="{FF2B5EF4-FFF2-40B4-BE49-F238E27FC236}">
-                <a16:creationId xmlns:a16="http://schemas.microsoft.com/office/drawing/2014/main" id="{D8209C2C-49AB-3D40-869A-30CE5F043EFB}"/>
+                <a16:creationId xmlns:a16="http://schemas.microsoft.com/office/drawing/2014/main" id="{ED380216-FE1A-0D4F-BFCC-1ADDAFC0D5F3}"/>
               </a:ext>
             </a:extLst>
           </p:cNvPr>
@@ -6005,12 +5119,549 @@
         </p:nvGrpSpPr>
         <p:grpSpPr>
           <a:xfrm>
-            <a:off x="10484763" y="27352267"/>
-            <a:ext cx="7600956" cy="6463010"/>
-            <a:chOff x="9408417" y="27746454"/>
-            <a:chExt cx="7600956" cy="6463010"/>
+            <a:off x="630216" y="26160545"/>
+            <a:ext cx="17045631" cy="8362973"/>
+            <a:chOff x="1040088" y="26163185"/>
+            <a:chExt cx="17045631" cy="8362973"/>
           </a:xfrm>
         </p:grpSpPr>
+        <p:sp>
+          <p:nvSpPr>
+            <p:cNvPr id="71" name="TextBox 70">
+              <a:extLst>
+                <a:ext uri="{FF2B5EF4-FFF2-40B4-BE49-F238E27FC236}">
+                  <a16:creationId xmlns:a16="http://schemas.microsoft.com/office/drawing/2014/main" id="{14BAFCC9-89AE-4A05-B324-1B512AF39CC8}"/>
+                </a:ext>
+              </a:extLst>
+            </p:cNvPr>
+            <p:cNvSpPr txBox="1"/>
+            <p:nvPr/>
+          </p:nvSpPr>
+          <p:spPr>
+            <a:xfrm>
+              <a:off x="7350356" y="34101426"/>
+              <a:ext cx="3761607" cy="424732"/>
+            </a:xfrm>
+            <a:prstGeom prst="rect">
+              <a:avLst/>
+            </a:prstGeom>
+            <a:noFill/>
+          </p:spPr>
+          <p:txBody>
+            <a:bodyPr wrap="none" rtlCol="0">
+              <a:spAutoFit/>
+            </a:bodyPr>
+            <a:lstStyle/>
+            <a:p>
+              <a:pPr algn="ctr">
+                <a:lnSpc>
+                  <a:spcPct val="90000"/>
+                </a:lnSpc>
+              </a:pPr>
+              <a:r>
+                <a:rPr lang="en-US" sz="2400" dirty="0">
+                  <a:solidFill>
+                    <a:schemeClr val="tx2"/>
+                  </a:solidFill>
+                </a:rPr>
+                <a:t>Connections: </a:t>
+              </a:r>
+              <a:r>
+                <a:rPr lang="en-US" sz="2400" dirty="0" err="1">
+                  <a:solidFill>
+                    <a:schemeClr val="tx2"/>
+                  </a:solidFill>
+                </a:rPr>
+                <a:t>PMIx</a:t>
+              </a:r>
+              <a:r>
+                <a:rPr lang="en-US" sz="2400" dirty="0">
+                  <a:solidFill>
+                    <a:schemeClr val="tx2"/>
+                  </a:solidFill>
+                </a:rPr>
+                <a:t>, </a:t>
+              </a:r>
+              <a:r>
+                <a:rPr lang="en-US" sz="2400" dirty="0" err="1">
+                  <a:solidFill>
+                    <a:schemeClr val="tx2"/>
+                  </a:solidFill>
+                </a:rPr>
+                <a:t>VeloC</a:t>
+              </a:r>
+              <a:endParaRPr lang="en-US" sz="2400" dirty="0">
+                <a:solidFill>
+                  <a:schemeClr val="tx2"/>
+                </a:solidFill>
+              </a:endParaRPr>
+            </a:p>
+          </p:txBody>
+        </p:sp>
+        <p:sp>
+          <p:nvSpPr>
+            <p:cNvPr id="123" name="Title 1">
+              <a:extLst>
+                <a:ext uri="{FF2B5EF4-FFF2-40B4-BE49-F238E27FC236}">
+                  <a16:creationId xmlns:a16="http://schemas.microsoft.com/office/drawing/2014/main" id="{B33CA08C-2D30-47B6-97B6-FF6D91472983}"/>
+                </a:ext>
+              </a:extLst>
+            </p:cNvPr>
+            <p:cNvSpPr txBox="1">
+              <a:spLocks/>
+            </p:cNvSpPr>
+            <p:nvPr/>
+          </p:nvSpPr>
+          <p:spPr>
+            <a:xfrm>
+              <a:off x="2924306" y="26163185"/>
+              <a:ext cx="13281760" cy="1102715"/>
+            </a:xfrm>
+            <a:prstGeom prst="rect">
+              <a:avLst/>
+            </a:prstGeom>
+          </p:spPr>
+          <p:txBody>
+            <a:bodyPr vert="horz" wrap="square" lIns="543410" tIns="271705" rIns="543410" bIns="271705" rtlCol="0" anchor="t" anchorCtr="0">
+              <a:spAutoFit/>
+            </a:bodyPr>
+            <a:lstStyle>
+              <a:lvl1pPr algn="ctr" defTabSz="5821955" rtl="0" eaLnBrk="1" latinLnBrk="0" hangingPunct="1">
+                <a:lnSpc>
+                  <a:spcPct val="100000"/>
+                </a:lnSpc>
+                <a:spcBef>
+                  <a:spcPct val="0"/>
+                </a:spcBef>
+                <a:buNone/>
+                <a:defRPr sz="3214" kern="1200">
+                  <a:solidFill>
+                    <a:schemeClr val="tx1"/>
+                  </a:solidFill>
+                  <a:latin typeface="Arial Black" pitchFamily="34" charset="0"/>
+                  <a:ea typeface="+mj-ea"/>
+                  <a:cs typeface="+mj-cs"/>
+                </a:defRPr>
+              </a:lvl1pPr>
+            </a:lstStyle>
+            <a:p>
+              <a:pPr fontAlgn="auto">
+                <a:spcAft>
+                  <a:spcPts val="0"/>
+                </a:spcAft>
+              </a:pPr>
+              <a:r>
+                <a:rPr lang="en-US" sz="3600" dirty="0"/>
+                <a:t>User-Level Fault Mitigation (ULFM) in Open MPI</a:t>
+              </a:r>
+            </a:p>
+          </p:txBody>
+        </p:sp>
+        <p:sp>
+          <p:nvSpPr>
+            <p:cNvPr id="124" name="Content Placeholder 11">
+              <a:extLst>
+                <a:ext uri="{FF2B5EF4-FFF2-40B4-BE49-F238E27FC236}">
+                  <a16:creationId xmlns:a16="http://schemas.microsoft.com/office/drawing/2014/main" id="{E288E36C-F323-4E6A-BCFF-F437EAD9391C}"/>
+                </a:ext>
+              </a:extLst>
+            </p:cNvPr>
+            <p:cNvSpPr txBox="1">
+              <a:spLocks/>
+            </p:cNvSpPr>
+            <p:nvPr/>
+          </p:nvSpPr>
+          <p:spPr>
+            <a:xfrm>
+              <a:off x="1040088" y="27103338"/>
+              <a:ext cx="9958949" cy="6190500"/>
+            </a:xfrm>
+            <a:prstGeom prst="rect">
+              <a:avLst/>
+            </a:prstGeom>
+          </p:spPr>
+          <p:txBody>
+            <a:bodyPr/>
+            <a:lstStyle>
+              <a:lvl1pPr marL="190490" indent="-190490" algn="l" defTabSz="5821955" rtl="0" eaLnBrk="1" latinLnBrk="0" hangingPunct="1">
+                <a:lnSpc>
+                  <a:spcPct val="100000"/>
+                </a:lnSpc>
+                <a:spcBef>
+                  <a:spcPts val="214"/>
+                </a:spcBef>
+                <a:buClrTx/>
+                <a:buFont typeface="Arial" pitchFamily="34" charset="0"/>
+                <a:buChar char="•"/>
+                <a:defRPr sz="2571" b="0" kern="1200">
+                  <a:solidFill>
+                    <a:schemeClr val="tx1"/>
+                  </a:solidFill>
+                  <a:latin typeface="Arial" pitchFamily="34" charset="0"/>
+                  <a:ea typeface="+mn-ea"/>
+                  <a:cs typeface="Arial" pitchFamily="34" charset="0"/>
+                </a:defRPr>
+              </a:lvl1pPr>
+              <a:lvl2pPr marL="365674" indent="-175184" algn="l" defTabSz="5821955" rtl="0" eaLnBrk="1" latinLnBrk="0" hangingPunct="1">
+                <a:lnSpc>
+                  <a:spcPct val="100000"/>
+                </a:lnSpc>
+                <a:spcBef>
+                  <a:spcPts val="214"/>
+                </a:spcBef>
+                <a:buClrTx/>
+                <a:buFont typeface="Arial" pitchFamily="34" charset="0"/>
+                <a:buChar char="–"/>
+                <a:defRPr sz="2143" b="0" kern="1200">
+                  <a:solidFill>
+                    <a:schemeClr val="tx1"/>
+                  </a:solidFill>
+                  <a:latin typeface="Arial" pitchFamily="34" charset="0"/>
+                  <a:ea typeface="+mn-ea"/>
+                  <a:cs typeface="Arial" pitchFamily="34" charset="0"/>
+                </a:defRPr>
+              </a:lvl2pPr>
+              <a:lvl3pPr marL="556165" indent="-190490" algn="l" defTabSz="5821955" rtl="0" eaLnBrk="1" latinLnBrk="0" hangingPunct="1">
+                <a:lnSpc>
+                  <a:spcPct val="100000"/>
+                </a:lnSpc>
+                <a:spcBef>
+                  <a:spcPts val="214"/>
+                </a:spcBef>
+                <a:buClrTx/>
+                <a:buFont typeface="Arial" pitchFamily="34" charset="0"/>
+                <a:buChar char="•"/>
+                <a:defRPr sz="1929" b="0" kern="1200">
+                  <a:solidFill>
+                    <a:schemeClr val="tx1"/>
+                  </a:solidFill>
+                  <a:latin typeface="Arial" pitchFamily="34" charset="0"/>
+                  <a:ea typeface="+mn-ea"/>
+                  <a:cs typeface="Arial" pitchFamily="34" charset="0"/>
+                </a:defRPr>
+              </a:lvl3pPr>
+              <a:lvl4pPr marL="671820" indent="-175184" algn="l" defTabSz="5821955" rtl="0" eaLnBrk="1" latinLnBrk="0" hangingPunct="1">
+                <a:lnSpc>
+                  <a:spcPct val="100000"/>
+                </a:lnSpc>
+                <a:spcBef>
+                  <a:spcPts val="214"/>
+                </a:spcBef>
+                <a:buClrTx/>
+                <a:buFont typeface="Arial" pitchFamily="34" charset="0"/>
+                <a:buChar char="–"/>
+                <a:defRPr sz="1929" b="0" kern="1200">
+                  <a:solidFill>
+                    <a:schemeClr val="tx1"/>
+                  </a:solidFill>
+                  <a:latin typeface="Arial" pitchFamily="34" charset="0"/>
+                  <a:ea typeface="+mn-ea"/>
+                  <a:cs typeface="Arial" pitchFamily="34" charset="0"/>
+                </a:defRPr>
+              </a:lvl4pPr>
+              <a:lvl5pPr marL="862310" indent="-190490" algn="l" defTabSz="5821955" rtl="0" eaLnBrk="1" latinLnBrk="0" hangingPunct="1">
+                <a:lnSpc>
+                  <a:spcPct val="100000"/>
+                </a:lnSpc>
+                <a:spcBef>
+                  <a:spcPts val="214"/>
+                </a:spcBef>
+                <a:buClrTx/>
+                <a:buFont typeface="Arial" pitchFamily="34" charset="0"/>
+                <a:buChar char="»"/>
+                <a:defRPr sz="1929" b="0" kern="1200">
+                  <a:solidFill>
+                    <a:schemeClr val="tx1"/>
+                  </a:solidFill>
+                  <a:latin typeface="Arial" pitchFamily="34" charset="0"/>
+                  <a:ea typeface="+mn-ea"/>
+                  <a:cs typeface="Arial" pitchFamily="34" charset="0"/>
+                </a:defRPr>
+              </a:lvl5pPr>
+              <a:lvl6pPr marL="16010376" indent="-1455489" algn="l" defTabSz="5821955" rtl="0" eaLnBrk="1" latinLnBrk="0" hangingPunct="1">
+                <a:spcBef>
+                  <a:spcPct val="20000"/>
+                </a:spcBef>
+                <a:buFont typeface="Arial" pitchFamily="34" charset="0"/>
+                <a:buChar char="•"/>
+                <a:defRPr sz="12749" kern="1200">
+                  <a:solidFill>
+                    <a:schemeClr val="tx1"/>
+                  </a:solidFill>
+                  <a:latin typeface="+mn-lt"/>
+                  <a:ea typeface="+mn-ea"/>
+                  <a:cs typeface="+mn-cs"/>
+                </a:defRPr>
+              </a:lvl6pPr>
+              <a:lvl7pPr marL="18921354" indent="-1455489" algn="l" defTabSz="5821955" rtl="0" eaLnBrk="1" latinLnBrk="0" hangingPunct="1">
+                <a:spcBef>
+                  <a:spcPct val="20000"/>
+                </a:spcBef>
+                <a:buFont typeface="Arial" pitchFamily="34" charset="0"/>
+                <a:buChar char="•"/>
+                <a:defRPr sz="12749" kern="1200">
+                  <a:solidFill>
+                    <a:schemeClr val="tx1"/>
+                  </a:solidFill>
+                  <a:latin typeface="+mn-lt"/>
+                  <a:ea typeface="+mn-ea"/>
+                  <a:cs typeface="+mn-cs"/>
+                </a:defRPr>
+              </a:lvl7pPr>
+              <a:lvl8pPr marL="21832331" indent="-1455489" algn="l" defTabSz="5821955" rtl="0" eaLnBrk="1" latinLnBrk="0" hangingPunct="1">
+                <a:spcBef>
+                  <a:spcPct val="20000"/>
+                </a:spcBef>
+                <a:buFont typeface="Arial" pitchFamily="34" charset="0"/>
+                <a:buChar char="•"/>
+                <a:defRPr sz="12749" kern="1200">
+                  <a:solidFill>
+                    <a:schemeClr val="tx1"/>
+                  </a:solidFill>
+                  <a:latin typeface="+mn-lt"/>
+                  <a:ea typeface="+mn-ea"/>
+                  <a:cs typeface="+mn-cs"/>
+                </a:defRPr>
+              </a:lvl8pPr>
+              <a:lvl9pPr marL="24743309" indent="-1455489" algn="l" defTabSz="5821955" rtl="0" eaLnBrk="1" latinLnBrk="0" hangingPunct="1">
+                <a:spcBef>
+                  <a:spcPct val="20000"/>
+                </a:spcBef>
+                <a:buFont typeface="Arial" pitchFamily="34" charset="0"/>
+                <a:buChar char="•"/>
+                <a:defRPr sz="12749" kern="1200">
+                  <a:solidFill>
+                    <a:schemeClr val="tx1"/>
+                  </a:solidFill>
+                  <a:latin typeface="+mn-lt"/>
+                  <a:ea typeface="+mn-ea"/>
+                  <a:cs typeface="+mn-cs"/>
+                </a:defRPr>
+              </a:lvl9pPr>
+            </a:lstStyle>
+            <a:p>
+              <a:pPr marL="189865" indent="-189865" fontAlgn="auto">
+                <a:spcAft>
+                  <a:spcPts val="0"/>
+                </a:spcAft>
+              </a:pPr>
+              <a:r>
+                <a:rPr lang="en-US" sz="2400" dirty="0"/>
+                <a:t>Resilience in varied application types</a:t>
+              </a:r>
+              <a:endParaRPr lang="en-US" dirty="0"/>
+            </a:p>
+            <a:p>
+              <a:pPr marL="365125" lvl="1" indent="-174625" fontAlgn="auto">
+                <a:spcAft>
+                  <a:spcPts val="0"/>
+                </a:spcAft>
+              </a:pPr>
+              <a:r>
+                <a:rPr lang="en-US" sz="1972" dirty="0"/>
+                <a:t>Malleable applications enjoy a </a:t>
+              </a:r>
+              <a:r>
+                <a:rPr lang="en-US" sz="1972" b="1" dirty="0"/>
+                <a:t>cheap, tailored recovery procedure</a:t>
+              </a:r>
+            </a:p>
+            <a:p>
+              <a:pPr marL="365125" lvl="1" indent="-174625" fontAlgn="auto">
+                <a:spcAft>
+                  <a:spcPts val="0"/>
+                </a:spcAft>
+              </a:pPr>
+              <a:r>
+                <a:rPr lang="en-US" sz="1972" dirty="0"/>
+                <a:t>Non-malleable applications can </a:t>
+              </a:r>
+              <a:r>
+                <a:rPr lang="en-US" sz="1972" b="1" dirty="0"/>
+                <a:t>restore complete MPI </a:t>
+              </a:r>
+              <a:r>
+                <a:rPr lang="en-US" sz="1972" dirty="0"/>
+                <a:t>capabilities without redeployment</a:t>
+              </a:r>
+            </a:p>
+            <a:p>
+              <a:pPr marL="189865" indent="-189865" fontAlgn="auto">
+                <a:spcAft>
+                  <a:spcPts val="0"/>
+                </a:spcAft>
+              </a:pPr>
+              <a:r>
+                <a:rPr lang="en-US" sz="2400" dirty="0"/>
+                <a:t>Integration of ULFM resilience shows no overhead on raw communication performance  on ECP hardware</a:t>
+              </a:r>
+            </a:p>
+            <a:p>
+              <a:pPr marL="365125" lvl="1" indent="-174625" fontAlgn="auto">
+                <a:spcAft>
+                  <a:spcPts val="0"/>
+                </a:spcAft>
+              </a:pPr>
+              <a:r>
+                <a:rPr lang="en-US" sz="2000" b="1" dirty="0"/>
+                <a:t>Stable resilience; tested</a:t>
+              </a:r>
+              <a:r>
+                <a:rPr lang="en-US" sz="2000" dirty="0"/>
+                <a:t> deployments on ECP hardware with support for job schedulers and accelerated networks</a:t>
+              </a:r>
+            </a:p>
+            <a:p>
+              <a:pPr marL="365125" lvl="1" indent="-174625" fontAlgn="auto">
+                <a:spcAft>
+                  <a:spcPts val="0"/>
+                </a:spcAft>
+              </a:pPr>
+              <a:r>
+                <a:rPr lang="en-US" sz="2000" dirty="0"/>
+                <a:t>Support for </a:t>
+              </a:r>
+              <a:r>
+                <a:rPr lang="en-US" sz="2000" b="1" dirty="0"/>
+                <a:t>resilience with threads, non-blocking collective operations, RMA operations</a:t>
+              </a:r>
+            </a:p>
+            <a:p>
+              <a:pPr marL="189865" indent="-189865" fontAlgn="auto">
+                <a:spcAft>
+                  <a:spcPts val="0"/>
+                </a:spcAft>
+              </a:pPr>
+              <a:r>
+                <a:rPr lang="en-US" sz="2428" dirty="0"/>
+                <a:t>Recent Progress</a:t>
+              </a:r>
+            </a:p>
+            <a:p>
+              <a:pPr marL="365125" lvl="1" indent="-174625" fontAlgn="auto">
+                <a:spcAft>
+                  <a:spcPts val="0"/>
+                </a:spcAft>
+              </a:pPr>
+              <a:r>
+                <a:rPr lang="en-US" sz="2000" b="1" dirty="0" err="1"/>
+                <a:t>PMIx</a:t>
+              </a:r>
+              <a:r>
+                <a:rPr lang="en-US" sz="2000" b="1" dirty="0"/>
+                <a:t>/SCON </a:t>
+              </a:r>
+              <a:r>
+                <a:rPr lang="en-US" sz="2000" dirty="0"/>
+                <a:t>failure </a:t>
+              </a:r>
+              <a:r>
+                <a:rPr lang="en-US" sz="2000" b="1" dirty="0"/>
+                <a:t>detection</a:t>
+              </a:r>
+              <a:r>
+                <a:rPr lang="en-US" sz="2000" dirty="0"/>
+                <a:t> and </a:t>
+              </a:r>
+              <a:r>
+                <a:rPr lang="en-US" sz="2000" b="1" dirty="0"/>
+                <a:t>reliable information propagation</a:t>
+              </a:r>
+              <a:r>
+                <a:rPr lang="en-US" sz="2000" dirty="0"/>
+                <a:t> </a:t>
+              </a:r>
+              <a:endParaRPr lang="en-US" sz="2000" b="1" dirty="0"/>
+            </a:p>
+            <a:p>
+              <a:pPr marL="365125" lvl="1" indent="-174625" fontAlgn="auto">
+                <a:spcAft>
+                  <a:spcPts val="0"/>
+                </a:spcAft>
+              </a:pPr>
+              <a:r>
+                <a:rPr lang="en-US" sz="2000" b="1" dirty="0"/>
+                <a:t>Asynchronous recovery: ISHRINK </a:t>
+              </a:r>
+              <a:r>
+                <a:rPr lang="en-US" sz="2000" dirty="0"/>
+                <a:t>repairs a communicator asynchronously</a:t>
+              </a:r>
+            </a:p>
+            <a:p>
+              <a:pPr marL="365125" lvl="1" indent="-174625" fontAlgn="auto">
+                <a:spcAft>
+                  <a:spcPts val="0"/>
+                </a:spcAft>
+              </a:pPr>
+              <a:r>
+                <a:rPr lang="en-US" sz="2000" b="1" dirty="0"/>
+                <a:t>Scoped error management: </a:t>
+              </a:r>
+              <a:r>
+                <a:rPr lang="en-US" sz="2000" dirty="0"/>
+                <a:t>user-controlled scope for error reporting: uniform reporting in collective operations; report for errors at any rank, etc.</a:t>
+              </a:r>
+              <a:endParaRPr lang="en-US" sz="2000" b="1" dirty="0"/>
+            </a:p>
+            <a:p>
+              <a:pPr marL="189865" indent="-189865" fontAlgn="auto">
+                <a:spcAft>
+                  <a:spcPts val="0"/>
+                </a:spcAft>
+              </a:pPr>
+              <a:r>
+                <a:rPr lang="en-US" sz="2428" dirty="0"/>
+                <a:t>Impacts</a:t>
+              </a:r>
+            </a:p>
+            <a:p>
+              <a:pPr marL="365125" lvl="1" indent="-174625" fontAlgn="auto">
+                <a:spcAft>
+                  <a:spcPts val="0"/>
+                </a:spcAft>
+              </a:pPr>
+              <a:r>
+                <a:rPr lang="en-US" sz="2000" b="1" dirty="0"/>
+                <a:t>Large application community</a:t>
+              </a:r>
+              <a:r>
+                <a:rPr lang="en-US" sz="2000" dirty="0"/>
+                <a:t> using Open MPI ULFM to explore resilience in HPC</a:t>
+              </a:r>
+            </a:p>
+            <a:p>
+              <a:pPr marL="365125" lvl="1" indent="-174625" fontAlgn="auto">
+                <a:spcAft>
+                  <a:spcPts val="0"/>
+                </a:spcAft>
+              </a:pPr>
+              <a:r>
+                <a:rPr lang="en-US" sz="2000" b="1" dirty="0"/>
+                <a:t>Industry users </a:t>
+              </a:r>
+              <a:r>
+                <a:rPr lang="en-US" sz="2000" dirty="0"/>
+                <a:t>(databases, MapReduce) also use Open MPI ULFM to explore non-HPC workloads over MPI</a:t>
+              </a:r>
+            </a:p>
+            <a:p>
+              <a:pPr marL="365125" lvl="1" indent="-174625" fontAlgn="auto">
+                <a:spcAft>
+                  <a:spcPts val="0"/>
+                </a:spcAft>
+              </a:pPr>
+              <a:r>
+                <a:rPr lang="en-US" sz="2000" b="1" dirty="0"/>
+                <a:t>User documentation and education </a:t>
+              </a:r>
+              <a:r>
+                <a:rPr lang="en-US" sz="2000" dirty="0"/>
+                <a:t>helps ECP applications move forward on resilience</a:t>
+              </a:r>
+            </a:p>
+          </p:txBody>
+        </p:sp>
         <p:grpSp>
           <p:nvGrpSpPr>
             <p:cNvPr id="54" name="Group 53">
@@ -6025,7 +5676,7 @@
           </p:nvGrpSpPr>
           <p:grpSpPr>
             <a:xfrm>
-              <a:off x="9408417" y="29395727"/>
+              <a:off x="10484763" y="28767429"/>
               <a:ext cx="7600956" cy="4813737"/>
               <a:chOff x="31121635" y="22280119"/>
               <a:chExt cx="7600956" cy="4813737"/>
@@ -6120,7 +5771,7 @@
           </p:blipFill>
           <p:spPr>
             <a:xfrm>
-              <a:off x="10197248" y="27746454"/>
+              <a:off x="11273594" y="27027966"/>
               <a:ext cx="3594952" cy="1478606"/>
             </a:xfrm>
             <a:prstGeom prst="rect">
